--- a/chapter_05/figures/rainfall_based_ff_verif_breakdown_scores_rel_diag_1rp.pptx
+++ b/chapter_05/figures/rainfall_based_ff_verif_breakdown_scores_rel_diag_1rp.pptx
@@ -115,7 +115,7 @@
 <file path=ppt/revisionInfo.xml><?xml version="1.0" encoding="utf-8"?>
 <p1510:revInfo xmlns:a="http://schemas.openxmlformats.org/drawingml/2006/main" xmlns:r="http://schemas.openxmlformats.org/officeDocument/2006/relationships" xmlns:p1510="http://schemas.microsoft.com/office/powerpoint/2015/10/main">
   <p1510:revLst>
-    <p1510:client id="{0F071940-DD68-4CEA-9DDC-F961E0B3FF69}" v="25" dt="2025-05-24T16:57:28.976"/>
+    <p1510:client id="{0F071940-DD68-4CEA-9DDC-F961E0B3FF69}" v="29" dt="2025-05-24T17:19:02.193"/>
   </p1510:revLst>
 </p1510:revInfo>
 </file>
@@ -125,18 +125,42 @@
   <pc:docChgLst>
     <pc:chgData name="Fatima Pillosu" userId="a6295d4dc9e22643" providerId="LiveId" clId="{0F071940-DD68-4CEA-9DDC-F961E0B3FF69}"/>
     <pc:docChg chg="undo custSel addSld delSld modSld">
-      <pc:chgData name="Fatima Pillosu" userId="a6295d4dc9e22643" providerId="LiveId" clId="{0F071940-DD68-4CEA-9DDC-F961E0B3FF69}" dt="2025-05-24T17:04:31.715" v="507" actId="47"/>
+      <pc:chgData name="Fatima Pillosu" userId="a6295d4dc9e22643" providerId="LiveId" clId="{0F071940-DD68-4CEA-9DDC-F961E0B3FF69}" dt="2025-05-24T17:20:00.191" v="697" actId="1038"/>
       <pc:docMkLst>
         <pc:docMk/>
       </pc:docMkLst>
       <pc:sldChg chg="addSp delSp modSp mod">
-        <pc:chgData name="Fatima Pillosu" userId="a6295d4dc9e22643" providerId="LiveId" clId="{0F071940-DD68-4CEA-9DDC-F961E0B3FF69}" dt="2025-05-24T17:04:13.970" v="506" actId="1076"/>
+        <pc:chgData name="Fatima Pillosu" userId="a6295d4dc9e22643" providerId="LiveId" clId="{0F071940-DD68-4CEA-9DDC-F961E0B3FF69}" dt="2025-05-24T17:20:00.191" v="697" actId="1038"/>
         <pc:sldMkLst>
           <pc:docMk/>
           <pc:sldMk cId="2001934226" sldId="256"/>
         </pc:sldMkLst>
+        <pc:spChg chg="add mod">
+          <ac:chgData name="Fatima Pillosu" userId="a6295d4dc9e22643" providerId="LiveId" clId="{0F071940-DD68-4CEA-9DDC-F961E0B3FF69}" dt="2025-05-24T17:20:00.191" v="697" actId="1038"/>
+          <ac:spMkLst>
+            <pc:docMk/>
+            <pc:sldMk cId="2001934226" sldId="256"/>
+            <ac:spMk id="3" creationId="{D32E77C5-B6C0-2E90-479B-0C848DD41382}"/>
+          </ac:spMkLst>
+        </pc:spChg>
+        <pc:spChg chg="add mod">
+          <ac:chgData name="Fatima Pillosu" userId="a6295d4dc9e22643" providerId="LiveId" clId="{0F071940-DD68-4CEA-9DDC-F961E0B3FF69}" dt="2025-05-24T17:19:46.869" v="690" actId="12789"/>
+          <ac:spMkLst>
+            <pc:docMk/>
+            <pc:sldMk cId="2001934226" sldId="256"/>
+            <ac:spMk id="4" creationId="{4B7F958A-6F0C-F0C0-BE54-70B5CC44C3D2}"/>
+          </ac:spMkLst>
+        </pc:spChg>
+        <pc:spChg chg="add mod">
+          <ac:chgData name="Fatima Pillosu" userId="a6295d4dc9e22643" providerId="LiveId" clId="{0F071940-DD68-4CEA-9DDC-F961E0B3FF69}" dt="2025-05-24T17:19:46.869" v="690" actId="12789"/>
+          <ac:spMkLst>
+            <pc:docMk/>
+            <pc:sldMk cId="2001934226" sldId="256"/>
+            <ac:spMk id="6" creationId="{B71CAA66-DF64-85B8-23B3-7DBDDB44438A}"/>
+          </ac:spMkLst>
+        </pc:spChg>
         <pc:spChg chg="mod">
-          <ac:chgData name="Fatima Pillosu" userId="a6295d4dc9e22643" providerId="LiveId" clId="{0F071940-DD68-4CEA-9DDC-F961E0B3FF69}" dt="2025-05-24T16:43:01.876" v="183" actId="255"/>
+          <ac:chgData name="Fatima Pillosu" userId="a6295d4dc9e22643" providerId="LiveId" clId="{0F071940-DD68-4CEA-9DDC-F961E0B3FF69}" dt="2025-05-24T17:17:37.028" v="534" actId="207"/>
           <ac:spMkLst>
             <pc:docMk/>
             <pc:sldMk cId="2001934226" sldId="256"/>
@@ -144,7 +168,7 @@
           </ac:spMkLst>
         </pc:spChg>
         <pc:spChg chg="mod">
-          <ac:chgData name="Fatima Pillosu" userId="a6295d4dc9e22643" providerId="LiveId" clId="{0F071940-DD68-4CEA-9DDC-F961E0B3FF69}" dt="2025-05-24T17:03:26.104" v="487" actId="1036"/>
+          <ac:chgData name="Fatima Pillosu" userId="a6295d4dc9e22643" providerId="LiveId" clId="{0F071940-DD68-4CEA-9DDC-F961E0B3FF69}" dt="2025-05-24T17:15:44.429" v="527" actId="1036"/>
           <ac:spMkLst>
             <pc:docMk/>
             <pc:sldMk cId="2001934226" sldId="256"/>
@@ -152,7 +176,7 @@
           </ac:spMkLst>
         </pc:spChg>
         <pc:spChg chg="mod">
-          <ac:chgData name="Fatima Pillosu" userId="a6295d4dc9e22643" providerId="LiveId" clId="{0F071940-DD68-4CEA-9DDC-F961E0B3FF69}" dt="2025-05-24T17:04:04.288" v="504" actId="1076"/>
+          <ac:chgData name="Fatima Pillosu" userId="a6295d4dc9e22643" providerId="LiveId" clId="{0F071940-DD68-4CEA-9DDC-F961E0B3FF69}" dt="2025-05-24T17:15:44.429" v="527" actId="1036"/>
           <ac:spMkLst>
             <pc:docMk/>
             <pc:sldMk cId="2001934226" sldId="256"/>
@@ -160,7 +184,7 @@
           </ac:spMkLst>
         </pc:spChg>
         <pc:spChg chg="mod">
-          <ac:chgData name="Fatima Pillosu" userId="a6295d4dc9e22643" providerId="LiveId" clId="{0F071940-DD68-4CEA-9DDC-F961E0B3FF69}" dt="2025-05-24T17:03:40.293" v="499" actId="1035"/>
+          <ac:chgData name="Fatima Pillosu" userId="a6295d4dc9e22643" providerId="LiveId" clId="{0F071940-DD68-4CEA-9DDC-F961E0B3FF69}" dt="2025-05-24T17:14:46.706" v="519" actId="1036"/>
           <ac:spMkLst>
             <pc:docMk/>
             <pc:sldMk cId="2001934226" sldId="256"/>
@@ -168,7 +192,7 @@
           </ac:spMkLst>
         </pc:spChg>
         <pc:spChg chg="mod">
-          <ac:chgData name="Fatima Pillosu" userId="a6295d4dc9e22643" providerId="LiveId" clId="{0F071940-DD68-4CEA-9DDC-F961E0B3FF69}" dt="2025-05-24T17:04:09.647" v="505" actId="1076"/>
+          <ac:chgData name="Fatima Pillosu" userId="a6295d4dc9e22643" providerId="LiveId" clId="{0F071940-DD68-4CEA-9DDC-F961E0B3FF69}" dt="2025-05-24T17:14:46.706" v="519" actId="1036"/>
           <ac:spMkLst>
             <pc:docMk/>
             <pc:sldMk cId="2001934226" sldId="256"/>
@@ -199,6 +223,14 @@
             <ac:picMk id="2" creationId="{847636C1-0B22-4CAB-1E52-76406872C992}"/>
           </ac:picMkLst>
         </pc:picChg>
+        <pc:picChg chg="add del mod modCrop">
+          <ac:chgData name="Fatima Pillosu" userId="a6295d4dc9e22643" providerId="LiveId" clId="{0F071940-DD68-4CEA-9DDC-F961E0B3FF69}" dt="2025-05-24T17:19:18.235" v="639" actId="478"/>
+          <ac:picMkLst>
+            <pc:docMk/>
+            <pc:sldMk cId="2001934226" sldId="256"/>
+            <ac:picMk id="2" creationId="{DC553AE9-05E3-6E35-B62F-DA091929FE18}"/>
+          </ac:picMkLst>
+        </pc:picChg>
         <pc:picChg chg="del mod">
           <ac:chgData name="Fatima Pillosu" userId="a6295d4dc9e22643" providerId="LiveId" clId="{0F071940-DD68-4CEA-9DDC-F961E0B3FF69}" dt="2025-05-22T23:02:37.841" v="64" actId="478"/>
           <ac:picMkLst>
@@ -336,7 +368,7 @@
           </ac:picMkLst>
         </pc:picChg>
         <pc:picChg chg="add mod ord modCrop">
-          <ac:chgData name="Fatima Pillosu" userId="a6295d4dc9e22643" providerId="LiveId" clId="{0F071940-DD68-4CEA-9DDC-F961E0B3FF69}" dt="2025-05-24T17:03:08.053" v="479" actId="1036"/>
+          <ac:chgData name="Fatima Pillosu" userId="a6295d4dc9e22643" providerId="LiveId" clId="{0F071940-DD68-4CEA-9DDC-F961E0B3FF69}" dt="2025-05-24T17:15:44.429" v="527" actId="1036"/>
           <ac:picMkLst>
             <pc:docMk/>
             <pc:sldMk cId="2001934226" sldId="256"/>
@@ -352,11 +384,27 @@
           </ac:picMkLst>
         </pc:picChg>
         <pc:picChg chg="add mod ord">
-          <ac:chgData name="Fatima Pillosu" userId="a6295d4dc9e22643" providerId="LiveId" clId="{0F071940-DD68-4CEA-9DDC-F961E0B3FF69}" dt="2025-05-24T17:03:08.053" v="479" actId="1036"/>
+          <ac:chgData name="Fatima Pillosu" userId="a6295d4dc9e22643" providerId="LiveId" clId="{0F071940-DD68-4CEA-9DDC-F961E0B3FF69}" dt="2025-05-24T17:15:44.429" v="527" actId="1036"/>
           <ac:picMkLst>
             <pc:docMk/>
             <pc:sldMk cId="2001934226" sldId="256"/>
             <ac:picMk id="20" creationId="{9AE58AB0-A746-CB79-DB68-4742D849225C}"/>
+          </ac:picMkLst>
+        </pc:picChg>
+        <pc:picChg chg="add mod ord modCrop">
+          <ac:chgData name="Fatima Pillosu" userId="a6295d4dc9e22643" providerId="LiveId" clId="{0F071940-DD68-4CEA-9DDC-F961E0B3FF69}" dt="2025-05-24T17:14:46.706" v="519" actId="1036"/>
+          <ac:picMkLst>
+            <pc:docMk/>
+            <pc:sldMk cId="2001934226" sldId="256"/>
+            <ac:picMk id="27" creationId="{6B8AF29E-2315-3062-9B85-D14957DB473E}"/>
+          </ac:picMkLst>
+        </pc:picChg>
+        <pc:picChg chg="add mod ord">
+          <ac:chgData name="Fatima Pillosu" userId="a6295d4dc9e22643" providerId="LiveId" clId="{0F071940-DD68-4CEA-9DDC-F961E0B3FF69}" dt="2025-05-24T17:14:46.706" v="519" actId="1036"/>
+          <ac:picMkLst>
+            <pc:docMk/>
+            <pc:sldMk cId="2001934226" sldId="256"/>
+            <ac:picMk id="29" creationId="{65189D81-F03A-641F-947A-FEB007DBA5BF}"/>
           </ac:picMkLst>
         </pc:picChg>
         <pc:picChg chg="add mod ord modCrop">
@@ -364,15 +412,7 @@
           <ac:picMkLst>
             <pc:docMk/>
             <pc:sldMk cId="2001934226" sldId="256"/>
-            <ac:picMk id="27" creationId="{6B8AF29E-2315-3062-9B85-D14957DB473E}"/>
-          </ac:picMkLst>
-        </pc:picChg>
-        <pc:picChg chg="add mod ord">
-          <ac:chgData name="Fatima Pillosu" userId="a6295d4dc9e22643" providerId="LiveId" clId="{0F071940-DD68-4CEA-9DDC-F961E0B3FF69}" dt="2025-05-24T17:03:08.053" v="479" actId="1036"/>
-          <ac:picMkLst>
-            <pc:docMk/>
-            <pc:sldMk cId="2001934226" sldId="256"/>
-            <ac:picMk id="29" creationId="{65189D81-F03A-641F-947A-FEB007DBA5BF}"/>
+            <ac:picMk id="31" creationId="{10BAFD11-1099-3C3B-C9FC-C353CD903E7A}"/>
           </ac:picMkLst>
         </pc:picChg>
         <pc:picChg chg="add mod ord modCrop">
@@ -380,17 +420,17 @@
           <ac:picMkLst>
             <pc:docMk/>
             <pc:sldMk cId="2001934226" sldId="256"/>
-            <ac:picMk id="31" creationId="{10BAFD11-1099-3C3B-C9FC-C353CD903E7A}"/>
-          </ac:picMkLst>
-        </pc:picChg>
-        <pc:picChg chg="add mod ord modCrop">
-          <ac:chgData name="Fatima Pillosu" userId="a6295d4dc9e22643" providerId="LiveId" clId="{0F071940-DD68-4CEA-9DDC-F961E0B3FF69}" dt="2025-05-24T17:03:08.053" v="479" actId="1036"/>
-          <ac:picMkLst>
-            <pc:docMk/>
-            <pc:sldMk cId="2001934226" sldId="256"/>
             <ac:picMk id="33" creationId="{FB8578E7-859D-CDA0-F749-138863AF1E37}"/>
           </ac:picMkLst>
         </pc:picChg>
+        <pc:cxnChg chg="add mod">
+          <ac:chgData name="Fatima Pillosu" userId="a6295d4dc9e22643" providerId="LiveId" clId="{0F071940-DD68-4CEA-9DDC-F961E0B3FF69}" dt="2025-05-24T17:20:00.191" v="697" actId="1038"/>
+          <ac:cxnSpMkLst>
+            <pc:docMk/>
+            <pc:sldMk cId="2001934226" sldId="256"/>
+            <ac:cxnSpMk id="5" creationId="{80B63810-D1D9-8EEB-E25A-478D292B229D}"/>
+          </ac:cxnSpMkLst>
+        </pc:cxnChg>
       </pc:sldChg>
       <pc:sldChg chg="addSp delSp modSp new del mod">
         <pc:chgData name="Fatima Pillosu" userId="a6295d4dc9e22643" providerId="LiveId" clId="{0F071940-DD68-4CEA-9DDC-F961E0B3FF69}" dt="2025-05-22T23:12:15.968" v="145" actId="2696"/>
@@ -3731,7 +3771,7 @@
         </p:blipFill>
         <p:spPr>
           <a:xfrm>
-            <a:off x="13930" y="499865"/>
+            <a:off x="13930" y="565769"/>
             <a:ext cx="2160000" cy="1868906"/>
           </a:xfrm>
           <a:prstGeom prst="rect">
@@ -3766,7 +3806,7 @@
         </p:blipFill>
         <p:spPr>
           <a:xfrm>
-            <a:off x="2213102" y="499865"/>
+            <a:off x="2213102" y="565769"/>
             <a:ext cx="1911977" cy="1868400"/>
           </a:xfrm>
           <a:prstGeom prst="rect">
@@ -3801,7 +3841,7 @@
         </p:blipFill>
         <p:spPr>
           <a:xfrm>
-            <a:off x="13930" y="2450524"/>
+            <a:off x="13930" y="2483476"/>
             <a:ext cx="2160000" cy="1868906"/>
           </a:xfrm>
           <a:prstGeom prst="rect">
@@ -3836,7 +3876,7 @@
         </p:blipFill>
         <p:spPr>
           <a:xfrm>
-            <a:off x="2213102" y="2450524"/>
+            <a:off x="2213102" y="2483476"/>
             <a:ext cx="1911977" cy="1868400"/>
           </a:xfrm>
           <a:prstGeom prst="rect">
@@ -3945,10 +3985,7 @@
             <a:r>
               <a:rPr lang="en-US" sz="1200" b="1" dirty="0">
                 <a:solidFill>
-                  <a:schemeClr val="tx1">
-                    <a:lumMod val="95000"/>
-                    <a:lumOff val="5000"/>
-                  </a:schemeClr>
+                  <a:srgbClr val="333333"/>
                 </a:solidFill>
                 <a:latin typeface="Calibri" panose="020F0502020204030204" pitchFamily="34" charset="0"/>
                 <a:cs typeface="Calibri" panose="020F0502020204030204" pitchFamily="34" charset="0"/>
@@ -3960,10 +3997,7 @@
             <a:r>
               <a:rPr lang="en-US" sz="1000" dirty="0">
                 <a:solidFill>
-                  <a:schemeClr val="tx1">
-                    <a:lumMod val="95000"/>
-                    <a:lumOff val="5000"/>
-                  </a:schemeClr>
+                  <a:srgbClr val="333333"/>
                 </a:solidFill>
                 <a:latin typeface="Calibri Light" panose="020F0302020204030204" pitchFamily="34" charset="0"/>
                 <a:cs typeface="Calibri Light" panose="020F0302020204030204" pitchFamily="34" charset="0"/>
@@ -3973,10 +4007,7 @@
             <a:r>
               <a:rPr lang="en-US" sz="1000" u="sng" dirty="0">
                 <a:solidFill>
-                  <a:schemeClr val="tx1">
-                    <a:lumMod val="95000"/>
-                    <a:lumOff val="5000"/>
-                  </a:schemeClr>
+                  <a:srgbClr val="333333"/>
                 </a:solidFill>
                 <a:latin typeface="Calibri Light" panose="020F0302020204030204" pitchFamily="34" charset="0"/>
                 <a:cs typeface="Calibri Light" panose="020F0302020204030204" pitchFamily="34" charset="0"/>
@@ -3985,10 +4016,7 @@
             </a:r>
             <a:endParaRPr lang="en-GB" sz="1000" u="sng" dirty="0">
               <a:solidFill>
-                <a:schemeClr val="tx1">
-                  <a:lumMod val="95000"/>
-                  <a:lumOff val="5000"/>
-                </a:schemeClr>
+                <a:srgbClr val="333333"/>
               </a:solidFill>
               <a:latin typeface="Calibri Light" panose="020F0302020204030204" pitchFamily="34" charset="0"/>
               <a:cs typeface="Calibri Light" panose="020F0302020204030204" pitchFamily="34" charset="0"/>
@@ -4010,7 +4038,7 @@
         </p:nvSpPr>
         <p:spPr>
           <a:xfrm>
-            <a:off x="376106" y="1399150"/>
+            <a:off x="376106" y="1465054"/>
             <a:ext cx="842873" cy="461665"/>
           </a:xfrm>
           <a:prstGeom prst="rect">
@@ -4074,7 +4102,7 @@
         </p:nvSpPr>
         <p:spPr>
           <a:xfrm>
-            <a:off x="2325878" y="1399149"/>
+            <a:off x="2325878" y="1465053"/>
             <a:ext cx="842873" cy="461665"/>
           </a:xfrm>
           <a:prstGeom prst="rect">
@@ -4138,7 +4166,7 @@
         </p:nvSpPr>
         <p:spPr>
           <a:xfrm>
-            <a:off x="376106" y="3356661"/>
+            <a:off x="376106" y="3389613"/>
             <a:ext cx="842873" cy="461665"/>
           </a:xfrm>
           <a:prstGeom prst="rect">
@@ -4202,7 +4230,7 @@
         </p:nvSpPr>
         <p:spPr>
           <a:xfrm>
-            <a:off x="2325878" y="3356661"/>
+            <a:off x="2325878" y="3389613"/>
             <a:ext cx="842873" cy="461665"/>
           </a:xfrm>
           <a:prstGeom prst="rect">
@@ -4366,6 +4394,221 @@
                 <a:cs typeface="Calibri Light" panose="020F0302020204030204" pitchFamily="34" charset="0"/>
               </a:rPr>
               <a:t>f) long-range forecast (t+96,t+120)</a:t>
+            </a:r>
+            <a:endParaRPr lang="en-GB" sz="800" dirty="0">
+              <a:solidFill>
+                <a:schemeClr val="tx1">
+                  <a:lumMod val="95000"/>
+                  <a:lumOff val="5000"/>
+                </a:schemeClr>
+              </a:solidFill>
+              <a:latin typeface="Calibri Light" panose="020F0302020204030204" pitchFamily="34" charset="0"/>
+              <a:cs typeface="Calibri Light" panose="020F0302020204030204" pitchFamily="34" charset="0"/>
+            </a:endParaRPr>
+          </a:p>
+        </p:txBody>
+      </p:sp>
+      <p:sp>
+        <p:nvSpPr>
+          <p:cNvPr id="3" name="TextBox 2">
+            <a:extLst>
+              <a:ext uri="{FF2B5EF4-FFF2-40B4-BE49-F238E27FC236}">
+                <a16:creationId xmlns:a16="http://schemas.microsoft.com/office/drawing/2014/main" id="{D32E77C5-B6C0-2E90-479B-0C848DD41382}"/>
+              </a:ext>
+            </a:extLst>
+          </p:cNvPr>
+          <p:cNvSpPr txBox="1"/>
+          <p:nvPr/>
+        </p:nvSpPr>
+        <p:spPr>
+          <a:xfrm>
+            <a:off x="1079243" y="354873"/>
+            <a:ext cx="1196419" cy="215444"/>
+          </a:xfrm>
+          <a:prstGeom prst="rect">
+            <a:avLst/>
+          </a:prstGeom>
+          <a:noFill/>
+          <a:ln>
+            <a:noFill/>
+          </a:ln>
+        </p:spPr>
+        <p:txBody>
+          <a:bodyPr wrap="square" rtlCol="0">
+            <a:spAutoFit/>
+          </a:bodyPr>
+          <a:lstStyle/>
+          <a:p>
+            <a:r>
+              <a:rPr lang="en-US" sz="800" dirty="0">
+                <a:solidFill>
+                  <a:schemeClr val="tx1">
+                    <a:lumMod val="95000"/>
+                    <a:lumOff val="5000"/>
+                  </a:schemeClr>
+                </a:solidFill>
+                <a:latin typeface="Calibri Light" panose="020F0302020204030204" pitchFamily="34" charset="0"/>
+                <a:cs typeface="Calibri Light" panose="020F0302020204030204" pitchFamily="34" charset="0"/>
+              </a:rPr>
+              <a:t>Reliability diagram</a:t>
+            </a:r>
+            <a:endParaRPr lang="en-GB" sz="800" dirty="0">
+              <a:solidFill>
+                <a:schemeClr val="tx1">
+                  <a:lumMod val="95000"/>
+                  <a:lumOff val="5000"/>
+                </a:schemeClr>
+              </a:solidFill>
+              <a:latin typeface="Calibri Light" panose="020F0302020204030204" pitchFamily="34" charset="0"/>
+              <a:cs typeface="Calibri Light" panose="020F0302020204030204" pitchFamily="34" charset="0"/>
+            </a:endParaRPr>
+          </a:p>
+        </p:txBody>
+      </p:sp>
+      <p:sp>
+        <p:nvSpPr>
+          <p:cNvPr id="4" name="Rectangle 3">
+            <a:extLst>
+              <a:ext uri="{FF2B5EF4-FFF2-40B4-BE49-F238E27FC236}">
+                <a16:creationId xmlns:a16="http://schemas.microsoft.com/office/drawing/2014/main" id="{4B7F958A-6F0C-F0C0-BE54-70B5CC44C3D2}"/>
+              </a:ext>
+            </a:extLst>
+          </p:cNvPr>
+          <p:cNvSpPr/>
+          <p:nvPr/>
+        </p:nvSpPr>
+        <p:spPr>
+          <a:xfrm>
+            <a:off x="2090746" y="417595"/>
+            <a:ext cx="360000" cy="90000"/>
+          </a:xfrm>
+          <a:prstGeom prst="rect">
+            <a:avLst/>
+          </a:prstGeom>
+          <a:solidFill>
+            <a:srgbClr val="DB0E37">
+              <a:alpha val="25000"/>
+            </a:srgbClr>
+          </a:solidFill>
+          <a:ln>
+            <a:noFill/>
+          </a:ln>
+        </p:spPr>
+        <p:style>
+          <a:lnRef idx="2">
+            <a:schemeClr val="accent1">
+              <a:shade val="15000"/>
+            </a:schemeClr>
+          </a:lnRef>
+          <a:fillRef idx="1">
+            <a:schemeClr val="accent1"/>
+          </a:fillRef>
+          <a:effectRef idx="0">
+            <a:schemeClr val="accent1"/>
+          </a:effectRef>
+          <a:fontRef idx="minor">
+            <a:schemeClr val="lt1"/>
+          </a:fontRef>
+        </p:style>
+        <p:txBody>
+          <a:bodyPr rtlCol="0" anchor="ctr"/>
+          <a:lstStyle/>
+          <a:p>
+            <a:pPr algn="ctr"/>
+            <a:r>
+              <a:rPr lang="en-US" dirty="0"/>
+              <a:t>.</a:t>
+            </a:r>
+            <a:endParaRPr lang="en-GB" dirty="0"/>
+          </a:p>
+        </p:txBody>
+      </p:sp>
+      <p:cxnSp>
+        <p:nvCxnSpPr>
+          <p:cNvPr id="5" name="Straight Connector 4">
+            <a:extLst>
+              <a:ext uri="{FF2B5EF4-FFF2-40B4-BE49-F238E27FC236}">
+                <a16:creationId xmlns:a16="http://schemas.microsoft.com/office/drawing/2014/main" id="{80B63810-D1D9-8EEB-E25A-478D292B229D}"/>
+              </a:ext>
+            </a:extLst>
+          </p:cNvPr>
+          <p:cNvCxnSpPr>
+            <a:cxnSpLocks/>
+          </p:cNvCxnSpPr>
+          <p:nvPr/>
+        </p:nvCxnSpPr>
+        <p:spPr>
+          <a:xfrm>
+            <a:off x="783439" y="462595"/>
+            <a:ext cx="360000" cy="0"/>
+          </a:xfrm>
+          <a:prstGeom prst="line">
+            <a:avLst/>
+          </a:prstGeom>
+          <a:ln w="12700">
+            <a:solidFill>
+              <a:srgbClr val="DB0E37"/>
+            </a:solidFill>
+          </a:ln>
+        </p:spPr>
+        <p:style>
+          <a:lnRef idx="2">
+            <a:schemeClr val="accent1"/>
+          </a:lnRef>
+          <a:fillRef idx="0">
+            <a:schemeClr val="accent1"/>
+          </a:fillRef>
+          <a:effectRef idx="1">
+            <a:schemeClr val="accent1"/>
+          </a:effectRef>
+          <a:fontRef idx="minor">
+            <a:schemeClr val="tx1"/>
+          </a:fontRef>
+        </p:style>
+      </p:cxnSp>
+      <p:sp>
+        <p:nvSpPr>
+          <p:cNvPr id="6" name="TextBox 5">
+            <a:extLst>
+              <a:ext uri="{FF2B5EF4-FFF2-40B4-BE49-F238E27FC236}">
+                <a16:creationId xmlns:a16="http://schemas.microsoft.com/office/drawing/2014/main" id="{B71CAA66-DF64-85B8-23B3-7DBDDB44438A}"/>
+              </a:ext>
+            </a:extLst>
+          </p:cNvPr>
+          <p:cNvSpPr txBox="1"/>
+          <p:nvPr/>
+        </p:nvSpPr>
+        <p:spPr>
+          <a:xfrm>
+            <a:off x="2389418" y="354873"/>
+            <a:ext cx="1196419" cy="215444"/>
+          </a:xfrm>
+          <a:prstGeom prst="rect">
+            <a:avLst/>
+          </a:prstGeom>
+          <a:noFill/>
+          <a:ln>
+            <a:noFill/>
+          </a:ln>
+        </p:spPr>
+        <p:txBody>
+          <a:bodyPr wrap="square" rtlCol="0">
+            <a:spAutoFit/>
+          </a:bodyPr>
+          <a:lstStyle/>
+          <a:p>
+            <a:r>
+              <a:rPr lang="en-US" sz="800" dirty="0">
+                <a:solidFill>
+                  <a:schemeClr val="tx1">
+                    <a:lumMod val="95000"/>
+                    <a:lumOff val="5000"/>
+                  </a:schemeClr>
+                </a:solidFill>
+                <a:latin typeface="Calibri Light" panose="020F0302020204030204" pitchFamily="34" charset="0"/>
+                <a:cs typeface="Calibri Light" panose="020F0302020204030204" pitchFamily="34" charset="0"/>
+              </a:rPr>
+              <a:t>99% confidence interval</a:t>
             </a:r>
             <a:endParaRPr lang="en-GB" sz="800" dirty="0">
               <a:solidFill>

--- a/chapter_05/figures/rainfall_based_ff_verif_breakdown_scores_rel_diag_1rp.pptx
+++ b/chapter_05/figures/rainfall_based_ff_verif_breakdown_scores_rel_diag_1rp.pptx
@@ -115,7 +115,7 @@
 <file path=ppt/revisionInfo.xml><?xml version="1.0" encoding="utf-8"?>
 <p1510:revInfo xmlns:a="http://schemas.openxmlformats.org/drawingml/2006/main" xmlns:r="http://schemas.openxmlformats.org/officeDocument/2006/relationships" xmlns:p1510="http://schemas.microsoft.com/office/powerpoint/2015/10/main">
   <p1510:revLst>
-    <p1510:client id="{0F071940-DD68-4CEA-9DDC-F961E0B3FF69}" v="29" dt="2025-05-24T17:19:02.193"/>
+    <p1510:client id="{0F071940-DD68-4CEA-9DDC-F961E0B3FF69}" v="30" dt="2025-05-24T17:39:31.777"/>
   </p1510:revLst>
 </p1510:revInfo>
 </file>
@@ -125,18 +125,26 @@
   <pc:docChgLst>
     <pc:chgData name="Fatima Pillosu" userId="a6295d4dc9e22643" providerId="LiveId" clId="{0F071940-DD68-4CEA-9DDC-F961E0B3FF69}"/>
     <pc:docChg chg="undo custSel addSld delSld modSld">
-      <pc:chgData name="Fatima Pillosu" userId="a6295d4dc9e22643" providerId="LiveId" clId="{0F071940-DD68-4CEA-9DDC-F961E0B3FF69}" dt="2025-05-24T17:20:00.191" v="697" actId="1038"/>
+      <pc:chgData name="Fatima Pillosu" userId="a6295d4dc9e22643" providerId="LiveId" clId="{0F071940-DD68-4CEA-9DDC-F961E0B3FF69}" dt="2025-05-24T17:42:39.553" v="880" actId="1036"/>
       <pc:docMkLst>
         <pc:docMk/>
       </pc:docMkLst>
       <pc:sldChg chg="addSp delSp modSp mod">
-        <pc:chgData name="Fatima Pillosu" userId="a6295d4dc9e22643" providerId="LiveId" clId="{0F071940-DD68-4CEA-9DDC-F961E0B3FF69}" dt="2025-05-24T17:20:00.191" v="697" actId="1038"/>
+        <pc:chgData name="Fatima Pillosu" userId="a6295d4dc9e22643" providerId="LiveId" clId="{0F071940-DD68-4CEA-9DDC-F961E0B3FF69}" dt="2025-05-24T17:42:39.553" v="880" actId="1036"/>
         <pc:sldMkLst>
           <pc:docMk/>
           <pc:sldMk cId="2001934226" sldId="256"/>
         </pc:sldMkLst>
         <pc:spChg chg="add mod">
-          <ac:chgData name="Fatima Pillosu" userId="a6295d4dc9e22643" providerId="LiveId" clId="{0F071940-DD68-4CEA-9DDC-F961E0B3FF69}" dt="2025-05-24T17:20:00.191" v="697" actId="1038"/>
+          <ac:chgData name="Fatima Pillosu" userId="a6295d4dc9e22643" providerId="LiveId" clId="{0F071940-DD68-4CEA-9DDC-F961E0B3FF69}" dt="2025-05-24T17:42:13.973" v="873" actId="1038"/>
+          <ac:spMkLst>
+            <pc:docMk/>
+            <pc:sldMk cId="2001934226" sldId="256"/>
+            <ac:spMk id="2" creationId="{A4DB30E2-0C13-6AEB-59CD-284D83DB8123}"/>
+          </ac:spMkLst>
+        </pc:spChg>
+        <pc:spChg chg="add mod">
+          <ac:chgData name="Fatima Pillosu" userId="a6295d4dc9e22643" providerId="LiveId" clId="{0F071940-DD68-4CEA-9DDC-F961E0B3FF69}" dt="2025-05-24T17:42:39.553" v="880" actId="1036"/>
           <ac:spMkLst>
             <pc:docMk/>
             <pc:sldMk cId="2001934226" sldId="256"/>
@@ -144,7 +152,7 @@
           </ac:spMkLst>
         </pc:spChg>
         <pc:spChg chg="add mod">
-          <ac:chgData name="Fatima Pillosu" userId="a6295d4dc9e22643" providerId="LiveId" clId="{0F071940-DD68-4CEA-9DDC-F961E0B3FF69}" dt="2025-05-24T17:19:46.869" v="690" actId="12789"/>
+          <ac:chgData name="Fatima Pillosu" userId="a6295d4dc9e22643" providerId="LiveId" clId="{0F071940-DD68-4CEA-9DDC-F961E0B3FF69}" dt="2025-05-24T17:42:39.553" v="880" actId="1036"/>
           <ac:spMkLst>
             <pc:docMk/>
             <pc:sldMk cId="2001934226" sldId="256"/>
@@ -152,11 +160,51 @@
           </ac:spMkLst>
         </pc:spChg>
         <pc:spChg chg="add mod">
-          <ac:chgData name="Fatima Pillosu" userId="a6295d4dc9e22643" providerId="LiveId" clId="{0F071940-DD68-4CEA-9DDC-F961E0B3FF69}" dt="2025-05-24T17:19:46.869" v="690" actId="12789"/>
+          <ac:chgData name="Fatima Pillosu" userId="a6295d4dc9e22643" providerId="LiveId" clId="{0F071940-DD68-4CEA-9DDC-F961E0B3FF69}" dt="2025-05-24T17:42:39.553" v="880" actId="1036"/>
           <ac:spMkLst>
             <pc:docMk/>
             <pc:sldMk cId="2001934226" sldId="256"/>
             <ac:spMk id="6" creationId="{B71CAA66-DF64-85B8-23B3-7DBDDB44438A}"/>
+          </ac:spMkLst>
+        </pc:spChg>
+        <pc:spChg chg="add mod">
+          <ac:chgData name="Fatima Pillosu" userId="a6295d4dc9e22643" providerId="LiveId" clId="{0F071940-DD68-4CEA-9DDC-F961E0B3FF69}" dt="2025-05-24T17:42:05.395" v="867" actId="1038"/>
+          <ac:spMkLst>
+            <pc:docMk/>
+            <pc:sldMk cId="2001934226" sldId="256"/>
+            <ac:spMk id="7" creationId="{42DFAD48-F16E-0B7B-1B2C-4961BF796F2E}"/>
+          </ac:spMkLst>
+        </pc:spChg>
+        <pc:spChg chg="add mod">
+          <ac:chgData name="Fatima Pillosu" userId="a6295d4dc9e22643" providerId="LiveId" clId="{0F071940-DD68-4CEA-9DDC-F961E0B3FF69}" dt="2025-05-24T17:42:05.395" v="867" actId="1038"/>
+          <ac:spMkLst>
+            <pc:docMk/>
+            <pc:sldMk cId="2001934226" sldId="256"/>
+            <ac:spMk id="8" creationId="{1CB5778A-BC41-27A9-C316-14307500D4A0}"/>
+          </ac:spMkLst>
+        </pc:spChg>
+        <pc:spChg chg="add mod">
+          <ac:chgData name="Fatima Pillosu" userId="a6295d4dc9e22643" providerId="LiveId" clId="{0F071940-DD68-4CEA-9DDC-F961E0B3FF69}" dt="2025-05-24T17:42:05.395" v="867" actId="1038"/>
+          <ac:spMkLst>
+            <pc:docMk/>
+            <pc:sldMk cId="2001934226" sldId="256"/>
+            <ac:spMk id="9" creationId="{AD646CE8-3370-880E-200D-80617E77A9BE}"/>
+          </ac:spMkLst>
+        </pc:spChg>
+        <pc:spChg chg="add mod">
+          <ac:chgData name="Fatima Pillosu" userId="a6295d4dc9e22643" providerId="LiveId" clId="{0F071940-DD68-4CEA-9DDC-F961E0B3FF69}" dt="2025-05-24T17:42:13.973" v="873" actId="1038"/>
+          <ac:spMkLst>
+            <pc:docMk/>
+            <pc:sldMk cId="2001934226" sldId="256"/>
+            <ac:spMk id="10" creationId="{8DB64281-D2AB-318B-65A1-5D1D385CB8D7}"/>
+          </ac:spMkLst>
+        </pc:spChg>
+        <pc:spChg chg="add mod">
+          <ac:chgData name="Fatima Pillosu" userId="a6295d4dc9e22643" providerId="LiveId" clId="{0F071940-DD68-4CEA-9DDC-F961E0B3FF69}" dt="2025-05-24T17:42:13.973" v="873" actId="1038"/>
+          <ac:spMkLst>
+            <pc:docMk/>
+            <pc:sldMk cId="2001934226" sldId="256"/>
+            <ac:spMk id="11" creationId="{E8F936EE-D86D-608C-06B5-BAF9C398C95A}"/>
           </ac:spMkLst>
         </pc:spChg>
         <pc:spChg chg="mod">
@@ -167,48 +215,48 @@
             <ac:spMk id="17" creationId="{7D251682-B46D-DC7E-8C5E-59DFF1C27261}"/>
           </ac:spMkLst>
         </pc:spChg>
-        <pc:spChg chg="mod">
-          <ac:chgData name="Fatima Pillosu" userId="a6295d4dc9e22643" providerId="LiveId" clId="{0F071940-DD68-4CEA-9DDC-F961E0B3FF69}" dt="2025-05-24T17:15:44.429" v="527" actId="1036"/>
+        <pc:spChg chg="del mod">
+          <ac:chgData name="Fatima Pillosu" userId="a6295d4dc9e22643" providerId="LiveId" clId="{0F071940-DD68-4CEA-9DDC-F961E0B3FF69}" dt="2025-05-24T17:39:45.604" v="737" actId="478"/>
           <ac:spMkLst>
             <pc:docMk/>
             <pc:sldMk cId="2001934226" sldId="256"/>
             <ac:spMk id="18" creationId="{18F79773-A305-6943-D6AB-6A9BB374B2B4}"/>
           </ac:spMkLst>
         </pc:spChg>
-        <pc:spChg chg="mod">
-          <ac:chgData name="Fatima Pillosu" userId="a6295d4dc9e22643" providerId="LiveId" clId="{0F071940-DD68-4CEA-9DDC-F961E0B3FF69}" dt="2025-05-24T17:15:44.429" v="527" actId="1036"/>
+        <pc:spChg chg="del mod">
+          <ac:chgData name="Fatima Pillosu" userId="a6295d4dc9e22643" providerId="LiveId" clId="{0F071940-DD68-4CEA-9DDC-F961E0B3FF69}" dt="2025-05-24T17:39:47.460" v="738" actId="478"/>
           <ac:spMkLst>
             <pc:docMk/>
             <pc:sldMk cId="2001934226" sldId="256"/>
             <ac:spMk id="21" creationId="{0284A2DC-04F5-0D2C-8A57-01740B49A0AD}"/>
           </ac:spMkLst>
         </pc:spChg>
-        <pc:spChg chg="mod">
-          <ac:chgData name="Fatima Pillosu" userId="a6295d4dc9e22643" providerId="LiveId" clId="{0F071940-DD68-4CEA-9DDC-F961E0B3FF69}" dt="2025-05-24T17:14:46.706" v="519" actId="1036"/>
+        <pc:spChg chg="del mod">
+          <ac:chgData name="Fatima Pillosu" userId="a6295d4dc9e22643" providerId="LiveId" clId="{0F071940-DD68-4CEA-9DDC-F961E0B3FF69}" dt="2025-05-24T17:39:43.915" v="736" actId="478"/>
           <ac:spMkLst>
             <pc:docMk/>
             <pc:sldMk cId="2001934226" sldId="256"/>
             <ac:spMk id="22" creationId="{7792FD3C-224E-D659-A131-B255E8E96E52}"/>
           </ac:spMkLst>
         </pc:spChg>
-        <pc:spChg chg="mod">
-          <ac:chgData name="Fatima Pillosu" userId="a6295d4dc9e22643" providerId="LiveId" clId="{0F071940-DD68-4CEA-9DDC-F961E0B3FF69}" dt="2025-05-24T17:14:46.706" v="519" actId="1036"/>
+        <pc:spChg chg="del mod">
+          <ac:chgData name="Fatima Pillosu" userId="a6295d4dc9e22643" providerId="LiveId" clId="{0F071940-DD68-4CEA-9DDC-F961E0B3FF69}" dt="2025-05-24T17:39:42.711" v="735" actId="478"/>
           <ac:spMkLst>
             <pc:docMk/>
             <pc:sldMk cId="2001934226" sldId="256"/>
             <ac:spMk id="23" creationId="{F19462D0-2710-AA91-1CCF-483BA08755F9}"/>
           </ac:spMkLst>
         </pc:spChg>
-        <pc:spChg chg="mod">
-          <ac:chgData name="Fatima Pillosu" userId="a6295d4dc9e22643" providerId="LiveId" clId="{0F071940-DD68-4CEA-9DDC-F961E0B3FF69}" dt="2025-05-24T17:03:54.593" v="503" actId="1035"/>
+        <pc:spChg chg="del mod">
+          <ac:chgData name="Fatima Pillosu" userId="a6295d4dc9e22643" providerId="LiveId" clId="{0F071940-DD68-4CEA-9DDC-F961E0B3FF69}" dt="2025-05-24T17:39:39.390" v="733" actId="478"/>
           <ac:spMkLst>
             <pc:docMk/>
             <pc:sldMk cId="2001934226" sldId="256"/>
             <ac:spMk id="24" creationId="{728394F9-CAEC-DD34-1C7D-BCD4BEC3F436}"/>
           </ac:spMkLst>
         </pc:spChg>
-        <pc:spChg chg="mod">
-          <ac:chgData name="Fatima Pillosu" userId="a6295d4dc9e22643" providerId="LiveId" clId="{0F071940-DD68-4CEA-9DDC-F961E0B3FF69}" dt="2025-05-24T17:04:13.970" v="506" actId="1076"/>
+        <pc:spChg chg="del mod">
+          <ac:chgData name="Fatima Pillosu" userId="a6295d4dc9e22643" providerId="LiveId" clId="{0F071940-DD68-4CEA-9DDC-F961E0B3FF69}" dt="2025-05-24T17:39:41.459" v="734" actId="478"/>
           <ac:spMkLst>
             <pc:docMk/>
             <pc:sldMk cId="2001934226" sldId="256"/>
@@ -368,7 +416,7 @@
           </ac:picMkLst>
         </pc:picChg>
         <pc:picChg chg="add mod ord modCrop">
-          <ac:chgData name="Fatima Pillosu" userId="a6295d4dc9e22643" providerId="LiveId" clId="{0F071940-DD68-4CEA-9DDC-F961E0B3FF69}" dt="2025-05-24T17:15:44.429" v="527" actId="1036"/>
+          <ac:chgData name="Fatima Pillosu" userId="a6295d4dc9e22643" providerId="LiveId" clId="{0F071940-DD68-4CEA-9DDC-F961E0B3FF69}" dt="2025-05-24T17:41:44.270" v="846" actId="1038"/>
           <ac:picMkLst>
             <pc:docMk/>
             <pc:sldMk cId="2001934226" sldId="256"/>
@@ -384,7 +432,7 @@
           </ac:picMkLst>
         </pc:picChg>
         <pc:picChg chg="add mod ord">
-          <ac:chgData name="Fatima Pillosu" userId="a6295d4dc9e22643" providerId="LiveId" clId="{0F071940-DD68-4CEA-9DDC-F961E0B3FF69}" dt="2025-05-24T17:15:44.429" v="527" actId="1036"/>
+          <ac:chgData name="Fatima Pillosu" userId="a6295d4dc9e22643" providerId="LiveId" clId="{0F071940-DD68-4CEA-9DDC-F961E0B3FF69}" dt="2025-05-24T17:41:50.963" v="856" actId="1037"/>
           <ac:picMkLst>
             <pc:docMk/>
             <pc:sldMk cId="2001934226" sldId="256"/>
@@ -392,7 +440,7 @@
           </ac:picMkLst>
         </pc:picChg>
         <pc:picChg chg="add mod ord modCrop">
-          <ac:chgData name="Fatima Pillosu" userId="a6295d4dc9e22643" providerId="LiveId" clId="{0F071940-DD68-4CEA-9DDC-F961E0B3FF69}" dt="2025-05-24T17:14:46.706" v="519" actId="1036"/>
+          <ac:chgData name="Fatima Pillosu" userId="a6295d4dc9e22643" providerId="LiveId" clId="{0F071940-DD68-4CEA-9DDC-F961E0B3FF69}" dt="2025-05-24T17:41:44.270" v="846" actId="1038"/>
           <ac:picMkLst>
             <pc:docMk/>
             <pc:sldMk cId="2001934226" sldId="256"/>
@@ -400,7 +448,7 @@
           </ac:picMkLst>
         </pc:picChg>
         <pc:picChg chg="add mod ord">
-          <ac:chgData name="Fatima Pillosu" userId="a6295d4dc9e22643" providerId="LiveId" clId="{0F071940-DD68-4CEA-9DDC-F961E0B3FF69}" dt="2025-05-24T17:14:46.706" v="519" actId="1036"/>
+          <ac:chgData name="Fatima Pillosu" userId="a6295d4dc9e22643" providerId="LiveId" clId="{0F071940-DD68-4CEA-9DDC-F961E0B3FF69}" dt="2025-05-24T17:41:50.963" v="856" actId="1037"/>
           <ac:picMkLst>
             <pc:docMk/>
             <pc:sldMk cId="2001934226" sldId="256"/>
@@ -408,7 +456,7 @@
           </ac:picMkLst>
         </pc:picChg>
         <pc:picChg chg="add mod ord modCrop">
-          <ac:chgData name="Fatima Pillosu" userId="a6295d4dc9e22643" providerId="LiveId" clId="{0F071940-DD68-4CEA-9DDC-F961E0B3FF69}" dt="2025-05-24T17:03:08.053" v="479" actId="1036"/>
+          <ac:chgData name="Fatima Pillosu" userId="a6295d4dc9e22643" providerId="LiveId" clId="{0F071940-DD68-4CEA-9DDC-F961E0B3FF69}" dt="2025-05-24T17:41:44.270" v="846" actId="1038"/>
           <ac:picMkLst>
             <pc:docMk/>
             <pc:sldMk cId="2001934226" sldId="256"/>
@@ -416,7 +464,7 @@
           </ac:picMkLst>
         </pc:picChg>
         <pc:picChg chg="add mod ord modCrop">
-          <ac:chgData name="Fatima Pillosu" userId="a6295d4dc9e22643" providerId="LiveId" clId="{0F071940-DD68-4CEA-9DDC-F961E0B3FF69}" dt="2025-05-24T17:03:08.053" v="479" actId="1036"/>
+          <ac:chgData name="Fatima Pillosu" userId="a6295d4dc9e22643" providerId="LiveId" clId="{0F071940-DD68-4CEA-9DDC-F961E0B3FF69}" dt="2025-05-24T17:41:50.963" v="856" actId="1037"/>
           <ac:picMkLst>
             <pc:docMk/>
             <pc:sldMk cId="2001934226" sldId="256"/>
@@ -424,7 +472,7 @@
           </ac:picMkLst>
         </pc:picChg>
         <pc:cxnChg chg="add mod">
-          <ac:chgData name="Fatima Pillosu" userId="a6295d4dc9e22643" providerId="LiveId" clId="{0F071940-DD68-4CEA-9DDC-F961E0B3FF69}" dt="2025-05-24T17:20:00.191" v="697" actId="1038"/>
+          <ac:chgData name="Fatima Pillosu" userId="a6295d4dc9e22643" providerId="LiveId" clId="{0F071940-DD68-4CEA-9DDC-F961E0B3FF69}" dt="2025-05-24T17:42:39.553" v="880" actId="1036"/>
           <ac:cxnSpMkLst>
             <pc:docMk/>
             <pc:sldMk cId="2001934226" sldId="256"/>
@@ -3771,8 +3819,8 @@
         </p:blipFill>
         <p:spPr>
           <a:xfrm>
-            <a:off x="13930" y="565769"/>
-            <a:ext cx="2160000" cy="1868906"/>
+            <a:off x="129262" y="755243"/>
+            <a:ext cx="1980000" cy="1713164"/>
           </a:xfrm>
           <a:prstGeom prst="rect">
             <a:avLst/>
@@ -3806,8 +3854,8 @@
         </p:blipFill>
         <p:spPr>
           <a:xfrm>
-            <a:off x="2213102" y="565769"/>
-            <a:ext cx="1911977" cy="1868400"/>
+            <a:off x="2262530" y="755243"/>
+            <a:ext cx="1753200" cy="1713242"/>
           </a:xfrm>
           <a:prstGeom prst="rect">
             <a:avLst/>
@@ -3841,8 +3889,8 @@
         </p:blipFill>
         <p:spPr>
           <a:xfrm>
-            <a:off x="13930" y="2483476"/>
-            <a:ext cx="2160000" cy="1868906"/>
+            <a:off x="129262" y="2664712"/>
+            <a:ext cx="1980000" cy="1713164"/>
           </a:xfrm>
           <a:prstGeom prst="rect">
             <a:avLst/>
@@ -3876,8 +3924,8 @@
         </p:blipFill>
         <p:spPr>
           <a:xfrm>
-            <a:off x="2213102" y="2483476"/>
-            <a:ext cx="1911977" cy="1868400"/>
+            <a:off x="2262530" y="2664712"/>
+            <a:ext cx="1753200" cy="1713242"/>
           </a:xfrm>
           <a:prstGeom prst="rect">
             <a:avLst/>
@@ -3911,8 +3959,8 @@
         </p:blipFill>
         <p:spPr>
           <a:xfrm>
-            <a:off x="13930" y="4401182"/>
-            <a:ext cx="2160000" cy="2046078"/>
+            <a:off x="137500" y="4582418"/>
+            <a:ext cx="1980000" cy="1875572"/>
           </a:xfrm>
           <a:prstGeom prst="rect">
             <a:avLst/>
@@ -3946,8 +3994,8 @@
         </p:blipFill>
         <p:spPr>
           <a:xfrm>
-            <a:off x="2213101" y="4401182"/>
-            <a:ext cx="1911300" cy="2044800"/>
+            <a:off x="2270768" y="4582418"/>
+            <a:ext cx="1753147" cy="1875600"/>
           </a:xfrm>
           <a:prstGeom prst="rect">
             <a:avLst/>
@@ -4026,390 +4074,6 @@
       </p:sp>
       <p:sp>
         <p:nvSpPr>
-          <p:cNvPr id="18" name="TextBox 17">
-            <a:extLst>
-              <a:ext uri="{FF2B5EF4-FFF2-40B4-BE49-F238E27FC236}">
-                <a16:creationId xmlns:a16="http://schemas.microsoft.com/office/drawing/2014/main" id="{18F79773-A305-6943-D6AB-6A9BB374B2B4}"/>
-              </a:ext>
-            </a:extLst>
-          </p:cNvPr>
-          <p:cNvSpPr txBox="1"/>
-          <p:nvPr/>
-        </p:nvSpPr>
-        <p:spPr>
-          <a:xfrm>
-            <a:off x="376106" y="1465054"/>
-            <a:ext cx="842873" cy="461665"/>
-          </a:xfrm>
-          <a:prstGeom prst="rect">
-            <a:avLst/>
-          </a:prstGeom>
-          <a:solidFill>
-            <a:schemeClr val="bg1"/>
-          </a:solidFill>
-          <a:ln>
-            <a:solidFill>
-              <a:schemeClr val="bg1">
-                <a:lumMod val="50000"/>
-              </a:schemeClr>
-            </a:solidFill>
-          </a:ln>
-        </p:spPr>
-        <p:txBody>
-          <a:bodyPr wrap="square" rtlCol="0">
-            <a:spAutoFit/>
-          </a:bodyPr>
-          <a:lstStyle/>
-          <a:p>
-            <a:pPr algn="ctr"/>
-            <a:r>
-              <a:rPr lang="en-US" sz="800" dirty="0">
-                <a:solidFill>
-                  <a:schemeClr val="tx1">
-                    <a:lumMod val="95000"/>
-                    <a:lumOff val="5000"/>
-                  </a:schemeClr>
-                </a:solidFill>
-                <a:latin typeface="Calibri Light" panose="020F0302020204030204" pitchFamily="34" charset="0"/>
-                <a:cs typeface="Calibri Light" panose="020F0302020204030204" pitchFamily="34" charset="0"/>
-              </a:rPr>
-              <a:t>a) short-range forecast (reanalysis)</a:t>
-            </a:r>
-            <a:endParaRPr lang="en-GB" sz="800" dirty="0">
-              <a:solidFill>
-                <a:schemeClr val="tx1">
-                  <a:lumMod val="95000"/>
-                  <a:lumOff val="5000"/>
-                </a:schemeClr>
-              </a:solidFill>
-              <a:latin typeface="Calibri Light" panose="020F0302020204030204" pitchFamily="34" charset="0"/>
-              <a:cs typeface="Calibri Light" panose="020F0302020204030204" pitchFamily="34" charset="0"/>
-            </a:endParaRPr>
-          </a:p>
-        </p:txBody>
-      </p:sp>
-      <p:sp>
-        <p:nvSpPr>
-          <p:cNvPr id="21" name="TextBox 20">
-            <a:extLst>
-              <a:ext uri="{FF2B5EF4-FFF2-40B4-BE49-F238E27FC236}">
-                <a16:creationId xmlns:a16="http://schemas.microsoft.com/office/drawing/2014/main" id="{0284A2DC-04F5-0D2C-8A57-01740B49A0AD}"/>
-              </a:ext>
-            </a:extLst>
-          </p:cNvPr>
-          <p:cNvSpPr txBox="1"/>
-          <p:nvPr/>
-        </p:nvSpPr>
-        <p:spPr>
-          <a:xfrm>
-            <a:off x="2325878" y="1465053"/>
-            <a:ext cx="842873" cy="461665"/>
-          </a:xfrm>
-          <a:prstGeom prst="rect">
-            <a:avLst/>
-          </a:prstGeom>
-          <a:solidFill>
-            <a:schemeClr val="bg1"/>
-          </a:solidFill>
-          <a:ln>
-            <a:solidFill>
-              <a:schemeClr val="bg1">
-                <a:lumMod val="50000"/>
-              </a:schemeClr>
-            </a:solidFill>
-          </a:ln>
-        </p:spPr>
-        <p:txBody>
-          <a:bodyPr wrap="square" rtlCol="0">
-            <a:spAutoFit/>
-          </a:bodyPr>
-          <a:lstStyle/>
-          <a:p>
-            <a:pPr algn="ctr"/>
-            <a:r>
-              <a:rPr lang="en-US" sz="800" dirty="0">
-                <a:solidFill>
-                  <a:schemeClr val="tx1">
-                    <a:lumMod val="95000"/>
-                    <a:lumOff val="5000"/>
-                  </a:schemeClr>
-                </a:solidFill>
-                <a:latin typeface="Calibri Light" panose="020F0302020204030204" pitchFamily="34" charset="0"/>
-                <a:cs typeface="Calibri Light" panose="020F0302020204030204" pitchFamily="34" charset="0"/>
-              </a:rPr>
-              <a:t>b) long-range forecast (t+0,t+24)</a:t>
-            </a:r>
-            <a:endParaRPr lang="en-GB" sz="800" dirty="0">
-              <a:solidFill>
-                <a:schemeClr val="tx1">
-                  <a:lumMod val="95000"/>
-                  <a:lumOff val="5000"/>
-                </a:schemeClr>
-              </a:solidFill>
-              <a:latin typeface="Calibri Light" panose="020F0302020204030204" pitchFamily="34" charset="0"/>
-              <a:cs typeface="Calibri Light" panose="020F0302020204030204" pitchFamily="34" charset="0"/>
-            </a:endParaRPr>
-          </a:p>
-        </p:txBody>
-      </p:sp>
-      <p:sp>
-        <p:nvSpPr>
-          <p:cNvPr id="22" name="TextBox 21">
-            <a:extLst>
-              <a:ext uri="{FF2B5EF4-FFF2-40B4-BE49-F238E27FC236}">
-                <a16:creationId xmlns:a16="http://schemas.microsoft.com/office/drawing/2014/main" id="{7792FD3C-224E-D659-A131-B255E8E96E52}"/>
-              </a:ext>
-            </a:extLst>
-          </p:cNvPr>
-          <p:cNvSpPr txBox="1"/>
-          <p:nvPr/>
-        </p:nvSpPr>
-        <p:spPr>
-          <a:xfrm>
-            <a:off x="376106" y="3389613"/>
-            <a:ext cx="842873" cy="461665"/>
-          </a:xfrm>
-          <a:prstGeom prst="rect">
-            <a:avLst/>
-          </a:prstGeom>
-          <a:solidFill>
-            <a:schemeClr val="bg1"/>
-          </a:solidFill>
-          <a:ln>
-            <a:solidFill>
-              <a:schemeClr val="bg1">
-                <a:lumMod val="50000"/>
-              </a:schemeClr>
-            </a:solidFill>
-          </a:ln>
-        </p:spPr>
-        <p:txBody>
-          <a:bodyPr wrap="square" rtlCol="0">
-            <a:spAutoFit/>
-          </a:bodyPr>
-          <a:lstStyle/>
-          <a:p>
-            <a:pPr algn="ctr"/>
-            <a:r>
-              <a:rPr lang="en-US" sz="800" dirty="0">
-                <a:solidFill>
-                  <a:schemeClr val="tx1">
-                    <a:lumMod val="95000"/>
-                    <a:lumOff val="5000"/>
-                  </a:schemeClr>
-                </a:solidFill>
-                <a:latin typeface="Calibri Light" panose="020F0302020204030204" pitchFamily="34" charset="0"/>
-                <a:cs typeface="Calibri Light" panose="020F0302020204030204" pitchFamily="34" charset="0"/>
-              </a:rPr>
-              <a:t>c) long-range forecast (t+24,t+48)</a:t>
-            </a:r>
-            <a:endParaRPr lang="en-GB" sz="800" dirty="0">
-              <a:solidFill>
-                <a:schemeClr val="tx1">
-                  <a:lumMod val="95000"/>
-                  <a:lumOff val="5000"/>
-                </a:schemeClr>
-              </a:solidFill>
-              <a:latin typeface="Calibri Light" panose="020F0302020204030204" pitchFamily="34" charset="0"/>
-              <a:cs typeface="Calibri Light" panose="020F0302020204030204" pitchFamily="34" charset="0"/>
-            </a:endParaRPr>
-          </a:p>
-        </p:txBody>
-      </p:sp>
-      <p:sp>
-        <p:nvSpPr>
-          <p:cNvPr id="23" name="TextBox 22">
-            <a:extLst>
-              <a:ext uri="{FF2B5EF4-FFF2-40B4-BE49-F238E27FC236}">
-                <a16:creationId xmlns:a16="http://schemas.microsoft.com/office/drawing/2014/main" id="{F19462D0-2710-AA91-1CCF-483BA08755F9}"/>
-              </a:ext>
-            </a:extLst>
-          </p:cNvPr>
-          <p:cNvSpPr txBox="1"/>
-          <p:nvPr/>
-        </p:nvSpPr>
-        <p:spPr>
-          <a:xfrm>
-            <a:off x="2325878" y="3389613"/>
-            <a:ext cx="842873" cy="461665"/>
-          </a:xfrm>
-          <a:prstGeom prst="rect">
-            <a:avLst/>
-          </a:prstGeom>
-          <a:solidFill>
-            <a:schemeClr val="bg1"/>
-          </a:solidFill>
-          <a:ln>
-            <a:solidFill>
-              <a:schemeClr val="bg1">
-                <a:lumMod val="50000"/>
-              </a:schemeClr>
-            </a:solidFill>
-          </a:ln>
-        </p:spPr>
-        <p:txBody>
-          <a:bodyPr wrap="square" rtlCol="0">
-            <a:spAutoFit/>
-          </a:bodyPr>
-          <a:lstStyle/>
-          <a:p>
-            <a:pPr algn="ctr"/>
-            <a:r>
-              <a:rPr lang="en-US" sz="800" dirty="0">
-                <a:solidFill>
-                  <a:schemeClr val="tx1">
-                    <a:lumMod val="95000"/>
-                    <a:lumOff val="5000"/>
-                  </a:schemeClr>
-                </a:solidFill>
-                <a:latin typeface="Calibri Light" panose="020F0302020204030204" pitchFamily="34" charset="0"/>
-                <a:cs typeface="Calibri Light" panose="020F0302020204030204" pitchFamily="34" charset="0"/>
-              </a:rPr>
-              <a:t>d) long-range forecast (t+48,t+72)</a:t>
-            </a:r>
-            <a:endParaRPr lang="en-GB" sz="800" dirty="0">
-              <a:solidFill>
-                <a:schemeClr val="tx1">
-                  <a:lumMod val="95000"/>
-                  <a:lumOff val="5000"/>
-                </a:schemeClr>
-              </a:solidFill>
-              <a:latin typeface="Calibri Light" panose="020F0302020204030204" pitchFamily="34" charset="0"/>
-              <a:cs typeface="Calibri Light" panose="020F0302020204030204" pitchFamily="34" charset="0"/>
-            </a:endParaRPr>
-          </a:p>
-        </p:txBody>
-      </p:sp>
-      <p:sp>
-        <p:nvSpPr>
-          <p:cNvPr id="24" name="TextBox 23">
-            <a:extLst>
-              <a:ext uri="{FF2B5EF4-FFF2-40B4-BE49-F238E27FC236}">
-                <a16:creationId xmlns:a16="http://schemas.microsoft.com/office/drawing/2014/main" id="{728394F9-CAEC-DD34-1C7D-BCD4BEC3F436}"/>
-              </a:ext>
-            </a:extLst>
-          </p:cNvPr>
-          <p:cNvSpPr txBox="1"/>
-          <p:nvPr/>
-        </p:nvSpPr>
-        <p:spPr>
-          <a:xfrm>
-            <a:off x="376105" y="5317114"/>
-            <a:ext cx="842873" cy="461665"/>
-          </a:xfrm>
-          <a:prstGeom prst="rect">
-            <a:avLst/>
-          </a:prstGeom>
-          <a:solidFill>
-            <a:schemeClr val="bg1"/>
-          </a:solidFill>
-          <a:ln>
-            <a:solidFill>
-              <a:schemeClr val="bg1">
-                <a:lumMod val="50000"/>
-              </a:schemeClr>
-            </a:solidFill>
-          </a:ln>
-        </p:spPr>
-        <p:txBody>
-          <a:bodyPr wrap="square" rtlCol="0">
-            <a:spAutoFit/>
-          </a:bodyPr>
-          <a:lstStyle/>
-          <a:p>
-            <a:pPr algn="ctr"/>
-            <a:r>
-              <a:rPr lang="en-US" sz="800" dirty="0">
-                <a:solidFill>
-                  <a:schemeClr val="tx1">
-                    <a:lumMod val="95000"/>
-                    <a:lumOff val="5000"/>
-                  </a:schemeClr>
-                </a:solidFill>
-                <a:latin typeface="Calibri Light" panose="020F0302020204030204" pitchFamily="34" charset="0"/>
-                <a:cs typeface="Calibri Light" panose="020F0302020204030204" pitchFamily="34" charset="0"/>
-              </a:rPr>
-              <a:t>e) long-range forecast (t+72,t+96)</a:t>
-            </a:r>
-            <a:endParaRPr lang="en-GB" sz="800" dirty="0">
-              <a:solidFill>
-                <a:schemeClr val="tx1">
-                  <a:lumMod val="95000"/>
-                  <a:lumOff val="5000"/>
-                </a:schemeClr>
-              </a:solidFill>
-              <a:latin typeface="Calibri Light" panose="020F0302020204030204" pitchFamily="34" charset="0"/>
-              <a:cs typeface="Calibri Light" panose="020F0302020204030204" pitchFamily="34" charset="0"/>
-            </a:endParaRPr>
-          </a:p>
-        </p:txBody>
-      </p:sp>
-      <p:sp>
-        <p:nvSpPr>
-          <p:cNvPr id="25" name="TextBox 24">
-            <a:extLst>
-              <a:ext uri="{FF2B5EF4-FFF2-40B4-BE49-F238E27FC236}">
-                <a16:creationId xmlns:a16="http://schemas.microsoft.com/office/drawing/2014/main" id="{FC832C13-787F-2152-898E-AA680DE9C99E}"/>
-              </a:ext>
-            </a:extLst>
-          </p:cNvPr>
-          <p:cNvSpPr txBox="1"/>
-          <p:nvPr/>
-        </p:nvSpPr>
-        <p:spPr>
-          <a:xfrm>
-            <a:off x="2325878" y="5317113"/>
-            <a:ext cx="842873" cy="461665"/>
-          </a:xfrm>
-          <a:prstGeom prst="rect">
-            <a:avLst/>
-          </a:prstGeom>
-          <a:solidFill>
-            <a:schemeClr val="bg1"/>
-          </a:solidFill>
-          <a:ln>
-            <a:solidFill>
-              <a:schemeClr val="bg1">
-                <a:lumMod val="50000"/>
-              </a:schemeClr>
-            </a:solidFill>
-          </a:ln>
-        </p:spPr>
-        <p:txBody>
-          <a:bodyPr wrap="square" rtlCol="0">
-            <a:spAutoFit/>
-          </a:bodyPr>
-          <a:lstStyle/>
-          <a:p>
-            <a:pPr algn="ctr"/>
-            <a:r>
-              <a:rPr lang="en-US" sz="800" dirty="0">
-                <a:solidFill>
-                  <a:schemeClr val="tx1">
-                    <a:lumMod val="95000"/>
-                    <a:lumOff val="5000"/>
-                  </a:schemeClr>
-                </a:solidFill>
-                <a:latin typeface="Calibri Light" panose="020F0302020204030204" pitchFamily="34" charset="0"/>
-                <a:cs typeface="Calibri Light" panose="020F0302020204030204" pitchFamily="34" charset="0"/>
-              </a:rPr>
-              <a:t>f) long-range forecast (t+96,t+120)</a:t>
-            </a:r>
-            <a:endParaRPr lang="en-GB" sz="800" dirty="0">
-              <a:solidFill>
-                <a:schemeClr val="tx1">
-                  <a:lumMod val="95000"/>
-                  <a:lumOff val="5000"/>
-                </a:schemeClr>
-              </a:solidFill>
-              <a:latin typeface="Calibri Light" panose="020F0302020204030204" pitchFamily="34" charset="0"/>
-              <a:cs typeface="Calibri Light" panose="020F0302020204030204" pitchFamily="34" charset="0"/>
-            </a:endParaRPr>
-          </a:p>
-        </p:txBody>
-      </p:sp>
-      <p:sp>
-        <p:nvSpPr>
           <p:cNvPr id="3" name="TextBox 2">
             <a:extLst>
               <a:ext uri="{FF2B5EF4-FFF2-40B4-BE49-F238E27FC236}">
@@ -4422,7 +4086,7 @@
         </p:nvSpPr>
         <p:spPr>
           <a:xfrm>
-            <a:off x="1079243" y="354873"/>
+            <a:off x="1062767" y="387825"/>
             <a:ext cx="1196419" cy="215444"/>
           </a:xfrm>
           <a:prstGeom prst="rect">
@@ -4479,7 +4143,7 @@
         </p:nvSpPr>
         <p:spPr>
           <a:xfrm>
-            <a:off x="2090746" y="417595"/>
+            <a:off x="2090746" y="450547"/>
             <a:ext cx="360000" cy="90000"/>
           </a:xfrm>
           <a:prstGeom prst="rect">
@@ -4539,7 +4203,7 @@
         </p:nvCxnSpPr>
         <p:spPr>
           <a:xfrm>
-            <a:off x="783439" y="462595"/>
+            <a:off x="766963" y="495547"/>
             <a:ext cx="360000" cy="0"/>
           </a:xfrm>
           <a:prstGeom prst="line">
@@ -4580,7 +4244,7 @@
         </p:nvSpPr>
         <p:spPr>
           <a:xfrm>
-            <a:off x="2389418" y="354873"/>
+            <a:off x="2389418" y="387825"/>
             <a:ext cx="1196419" cy="215444"/>
           </a:xfrm>
           <a:prstGeom prst="rect">
@@ -4609,6 +4273,348 @@
                 <a:cs typeface="Calibri Light" panose="020F0302020204030204" pitchFamily="34" charset="0"/>
               </a:rPr>
               <a:t>99% confidence interval</a:t>
+            </a:r>
+            <a:endParaRPr lang="en-GB" sz="800" dirty="0">
+              <a:solidFill>
+                <a:schemeClr val="tx1">
+                  <a:lumMod val="95000"/>
+                  <a:lumOff val="5000"/>
+                </a:schemeClr>
+              </a:solidFill>
+              <a:latin typeface="Calibri Light" panose="020F0302020204030204" pitchFamily="34" charset="0"/>
+              <a:cs typeface="Calibri Light" panose="020F0302020204030204" pitchFamily="34" charset="0"/>
+            </a:endParaRPr>
+          </a:p>
+        </p:txBody>
+      </p:sp>
+      <p:sp>
+        <p:nvSpPr>
+          <p:cNvPr id="2" name="TextBox 1">
+            <a:extLst>
+              <a:ext uri="{FF2B5EF4-FFF2-40B4-BE49-F238E27FC236}">
+                <a16:creationId xmlns:a16="http://schemas.microsoft.com/office/drawing/2014/main" id="{A4DB30E2-0C13-6AEB-59CD-284D83DB8123}"/>
+              </a:ext>
+            </a:extLst>
+          </p:cNvPr>
+          <p:cNvSpPr txBox="1"/>
+          <p:nvPr/>
+        </p:nvSpPr>
+        <p:spPr>
+          <a:xfrm>
+            <a:off x="2135147" y="559809"/>
+            <a:ext cx="1908000" cy="216000"/>
+          </a:xfrm>
+          <a:prstGeom prst="rect">
+            <a:avLst/>
+          </a:prstGeom>
+          <a:noFill/>
+          <a:ln>
+            <a:noFill/>
+          </a:ln>
+        </p:spPr>
+        <p:txBody>
+          <a:bodyPr wrap="square" rtlCol="0">
+            <a:spAutoFit/>
+          </a:bodyPr>
+          <a:lstStyle/>
+          <a:p>
+            <a:r>
+              <a:rPr lang="en-US" sz="800" dirty="0">
+                <a:solidFill>
+                  <a:schemeClr val="tx1">
+                    <a:lumMod val="95000"/>
+                    <a:lumOff val="5000"/>
+                  </a:schemeClr>
+                </a:solidFill>
+                <a:latin typeface="Calibri Light" panose="020F0302020204030204" pitchFamily="34" charset="0"/>
+                <a:cs typeface="Calibri Light" panose="020F0302020204030204" pitchFamily="34" charset="0"/>
+              </a:rPr>
+              <a:t>b) long-range forecast (t+0,t+24)</a:t>
+            </a:r>
+            <a:endParaRPr lang="en-GB" sz="800" dirty="0">
+              <a:solidFill>
+                <a:schemeClr val="tx1">
+                  <a:lumMod val="95000"/>
+                  <a:lumOff val="5000"/>
+                </a:schemeClr>
+              </a:solidFill>
+              <a:latin typeface="Calibri Light" panose="020F0302020204030204" pitchFamily="34" charset="0"/>
+              <a:cs typeface="Calibri Light" panose="020F0302020204030204" pitchFamily="34" charset="0"/>
+            </a:endParaRPr>
+          </a:p>
+        </p:txBody>
+      </p:sp>
+      <p:sp>
+        <p:nvSpPr>
+          <p:cNvPr id="7" name="TextBox 6">
+            <a:extLst>
+              <a:ext uri="{FF2B5EF4-FFF2-40B4-BE49-F238E27FC236}">
+                <a16:creationId xmlns:a16="http://schemas.microsoft.com/office/drawing/2014/main" id="{42DFAD48-F16E-0B7B-1B2C-4961BF796F2E}"/>
+              </a:ext>
+            </a:extLst>
+          </p:cNvPr>
+          <p:cNvSpPr txBox="1"/>
+          <p:nvPr/>
+        </p:nvSpPr>
+        <p:spPr>
+          <a:xfrm>
+            <a:off x="22923" y="559809"/>
+            <a:ext cx="1908000" cy="215444"/>
+          </a:xfrm>
+          <a:prstGeom prst="rect">
+            <a:avLst/>
+          </a:prstGeom>
+          <a:noFill/>
+          <a:ln>
+            <a:noFill/>
+          </a:ln>
+        </p:spPr>
+        <p:txBody>
+          <a:bodyPr wrap="square" rtlCol="0">
+            <a:spAutoFit/>
+          </a:bodyPr>
+          <a:lstStyle/>
+          <a:p>
+            <a:r>
+              <a:rPr lang="en-US" sz="800" dirty="0">
+                <a:solidFill>
+                  <a:schemeClr val="tx1">
+                    <a:lumMod val="95000"/>
+                    <a:lumOff val="5000"/>
+                  </a:schemeClr>
+                </a:solidFill>
+                <a:latin typeface="Calibri Light" panose="020F0302020204030204" pitchFamily="34" charset="0"/>
+                <a:cs typeface="Calibri Light" panose="020F0302020204030204" pitchFamily="34" charset="0"/>
+              </a:rPr>
+              <a:t>a) short-range forecast (reanalysis)</a:t>
+            </a:r>
+            <a:endParaRPr lang="en-GB" sz="800" dirty="0">
+              <a:solidFill>
+                <a:schemeClr val="tx1">
+                  <a:lumMod val="95000"/>
+                  <a:lumOff val="5000"/>
+                </a:schemeClr>
+              </a:solidFill>
+              <a:latin typeface="Calibri Light" panose="020F0302020204030204" pitchFamily="34" charset="0"/>
+              <a:cs typeface="Calibri Light" panose="020F0302020204030204" pitchFamily="34" charset="0"/>
+            </a:endParaRPr>
+          </a:p>
+        </p:txBody>
+      </p:sp>
+      <p:sp>
+        <p:nvSpPr>
+          <p:cNvPr id="8" name="TextBox 7">
+            <a:extLst>
+              <a:ext uri="{FF2B5EF4-FFF2-40B4-BE49-F238E27FC236}">
+                <a16:creationId xmlns:a16="http://schemas.microsoft.com/office/drawing/2014/main" id="{1CB5778A-BC41-27A9-C316-14307500D4A0}"/>
+              </a:ext>
+            </a:extLst>
+          </p:cNvPr>
+          <p:cNvSpPr txBox="1"/>
+          <p:nvPr/>
+        </p:nvSpPr>
+        <p:spPr>
+          <a:xfrm>
+            <a:off x="97065" y="2457641"/>
+            <a:ext cx="1908000" cy="215444"/>
+          </a:xfrm>
+          <a:prstGeom prst="rect">
+            <a:avLst/>
+          </a:prstGeom>
+          <a:noFill/>
+          <a:ln>
+            <a:noFill/>
+          </a:ln>
+        </p:spPr>
+        <p:txBody>
+          <a:bodyPr wrap="square" rtlCol="0">
+            <a:spAutoFit/>
+          </a:bodyPr>
+          <a:lstStyle/>
+          <a:p>
+            <a:r>
+              <a:rPr lang="en-US" sz="800" dirty="0">
+                <a:solidFill>
+                  <a:schemeClr val="tx1">
+                    <a:lumMod val="95000"/>
+                    <a:lumOff val="5000"/>
+                  </a:schemeClr>
+                </a:solidFill>
+                <a:latin typeface="Calibri Light" panose="020F0302020204030204" pitchFamily="34" charset="0"/>
+                <a:cs typeface="Calibri Light" panose="020F0302020204030204" pitchFamily="34" charset="0"/>
+              </a:rPr>
+              <a:t>c) long-range forecast (t+24,t+48)</a:t>
+            </a:r>
+            <a:endParaRPr lang="en-GB" sz="800" dirty="0">
+              <a:solidFill>
+                <a:schemeClr val="tx1">
+                  <a:lumMod val="95000"/>
+                  <a:lumOff val="5000"/>
+                </a:schemeClr>
+              </a:solidFill>
+              <a:latin typeface="Calibri Light" panose="020F0302020204030204" pitchFamily="34" charset="0"/>
+              <a:cs typeface="Calibri Light" panose="020F0302020204030204" pitchFamily="34" charset="0"/>
+            </a:endParaRPr>
+          </a:p>
+        </p:txBody>
+      </p:sp>
+      <p:sp>
+        <p:nvSpPr>
+          <p:cNvPr id="9" name="TextBox 8">
+            <a:extLst>
+              <a:ext uri="{FF2B5EF4-FFF2-40B4-BE49-F238E27FC236}">
+                <a16:creationId xmlns:a16="http://schemas.microsoft.com/office/drawing/2014/main" id="{AD646CE8-3370-880E-200D-80617E77A9BE}"/>
+              </a:ext>
+            </a:extLst>
+          </p:cNvPr>
+          <p:cNvSpPr txBox="1"/>
+          <p:nvPr/>
+        </p:nvSpPr>
+        <p:spPr>
+          <a:xfrm>
+            <a:off x="97065" y="4381575"/>
+            <a:ext cx="1908000" cy="215444"/>
+          </a:xfrm>
+          <a:prstGeom prst="rect">
+            <a:avLst/>
+          </a:prstGeom>
+          <a:noFill/>
+          <a:ln>
+            <a:noFill/>
+          </a:ln>
+        </p:spPr>
+        <p:txBody>
+          <a:bodyPr wrap="square" rtlCol="0">
+            <a:spAutoFit/>
+          </a:bodyPr>
+          <a:lstStyle/>
+          <a:p>
+            <a:r>
+              <a:rPr lang="en-US" sz="800" dirty="0">
+                <a:solidFill>
+                  <a:schemeClr val="tx1">
+                    <a:lumMod val="95000"/>
+                    <a:lumOff val="5000"/>
+                  </a:schemeClr>
+                </a:solidFill>
+                <a:latin typeface="Calibri Light" panose="020F0302020204030204" pitchFamily="34" charset="0"/>
+                <a:cs typeface="Calibri Light" panose="020F0302020204030204" pitchFamily="34" charset="0"/>
+              </a:rPr>
+              <a:t>e) long-range forecast (t+72,t+96)</a:t>
+            </a:r>
+            <a:endParaRPr lang="en-GB" sz="800" dirty="0">
+              <a:solidFill>
+                <a:schemeClr val="tx1">
+                  <a:lumMod val="95000"/>
+                  <a:lumOff val="5000"/>
+                </a:schemeClr>
+              </a:solidFill>
+              <a:latin typeface="Calibri Light" panose="020F0302020204030204" pitchFamily="34" charset="0"/>
+              <a:cs typeface="Calibri Light" panose="020F0302020204030204" pitchFamily="34" charset="0"/>
+            </a:endParaRPr>
+          </a:p>
+        </p:txBody>
+      </p:sp>
+      <p:sp>
+        <p:nvSpPr>
+          <p:cNvPr id="10" name="TextBox 9">
+            <a:extLst>
+              <a:ext uri="{FF2B5EF4-FFF2-40B4-BE49-F238E27FC236}">
+                <a16:creationId xmlns:a16="http://schemas.microsoft.com/office/drawing/2014/main" id="{8DB64281-D2AB-318B-65A1-5D1D385CB8D7}"/>
+              </a:ext>
+            </a:extLst>
+          </p:cNvPr>
+          <p:cNvSpPr txBox="1"/>
+          <p:nvPr/>
+        </p:nvSpPr>
+        <p:spPr>
+          <a:xfrm>
+            <a:off x="2135147" y="2457085"/>
+            <a:ext cx="1908000" cy="216000"/>
+          </a:xfrm>
+          <a:prstGeom prst="rect">
+            <a:avLst/>
+          </a:prstGeom>
+          <a:noFill/>
+          <a:ln>
+            <a:noFill/>
+          </a:ln>
+        </p:spPr>
+        <p:txBody>
+          <a:bodyPr wrap="square" rtlCol="0">
+            <a:spAutoFit/>
+          </a:bodyPr>
+          <a:lstStyle/>
+          <a:p>
+            <a:r>
+              <a:rPr lang="en-US" sz="800" dirty="0">
+                <a:solidFill>
+                  <a:schemeClr val="tx1">
+                    <a:lumMod val="95000"/>
+                    <a:lumOff val="5000"/>
+                  </a:schemeClr>
+                </a:solidFill>
+                <a:latin typeface="Calibri Light" panose="020F0302020204030204" pitchFamily="34" charset="0"/>
+                <a:cs typeface="Calibri Light" panose="020F0302020204030204" pitchFamily="34" charset="0"/>
+              </a:rPr>
+              <a:t>d) long-range forecast (t+48,t+72)</a:t>
+            </a:r>
+            <a:endParaRPr lang="en-GB" sz="800" dirty="0">
+              <a:solidFill>
+                <a:schemeClr val="tx1">
+                  <a:lumMod val="95000"/>
+                  <a:lumOff val="5000"/>
+                </a:schemeClr>
+              </a:solidFill>
+              <a:latin typeface="Calibri Light" panose="020F0302020204030204" pitchFamily="34" charset="0"/>
+              <a:cs typeface="Calibri Light" panose="020F0302020204030204" pitchFamily="34" charset="0"/>
+            </a:endParaRPr>
+          </a:p>
+        </p:txBody>
+      </p:sp>
+      <p:sp>
+        <p:nvSpPr>
+          <p:cNvPr id="11" name="TextBox 10">
+            <a:extLst>
+              <a:ext uri="{FF2B5EF4-FFF2-40B4-BE49-F238E27FC236}">
+                <a16:creationId xmlns:a16="http://schemas.microsoft.com/office/drawing/2014/main" id="{E8F936EE-D86D-608C-06B5-BAF9C398C95A}"/>
+              </a:ext>
+            </a:extLst>
+          </p:cNvPr>
+          <p:cNvSpPr txBox="1"/>
+          <p:nvPr/>
+        </p:nvSpPr>
+        <p:spPr>
+          <a:xfrm>
+            <a:off x="2135147" y="4376653"/>
+            <a:ext cx="1908000" cy="216000"/>
+          </a:xfrm>
+          <a:prstGeom prst="rect">
+            <a:avLst/>
+          </a:prstGeom>
+          <a:noFill/>
+          <a:ln>
+            <a:noFill/>
+          </a:ln>
+        </p:spPr>
+        <p:txBody>
+          <a:bodyPr wrap="square" rtlCol="0">
+            <a:spAutoFit/>
+          </a:bodyPr>
+          <a:lstStyle/>
+          <a:p>
+            <a:r>
+              <a:rPr lang="en-US" sz="800" dirty="0">
+                <a:solidFill>
+                  <a:schemeClr val="tx1">
+                    <a:lumMod val="95000"/>
+                    <a:lumOff val="5000"/>
+                  </a:schemeClr>
+                </a:solidFill>
+                <a:latin typeface="Calibri Light" panose="020F0302020204030204" pitchFamily="34" charset="0"/>
+                <a:cs typeface="Calibri Light" panose="020F0302020204030204" pitchFamily="34" charset="0"/>
+              </a:rPr>
+              <a:t>f) long-range forecast (t+96,t+120)</a:t>
             </a:r>
             <a:endParaRPr lang="en-GB" sz="800" dirty="0">
               <a:solidFill>

--- a/chapter_05/figures/rainfall_based_ff_verif_breakdown_scores_rel_diag_1rp.pptx
+++ b/chapter_05/figures/rainfall_based_ff_verif_breakdown_scores_rel_diag_1rp.pptx
@@ -2,12 +2,12 @@
 <file path=ppt/presentation.xml><?xml version="1.0" encoding="utf-8"?>
 <p:presentation xmlns:a="http://schemas.openxmlformats.org/drawingml/2006/main" xmlns:r="http://schemas.openxmlformats.org/officeDocument/2006/relationships" xmlns:p="http://schemas.openxmlformats.org/presentationml/2006/main" saveSubsetFonts="1">
   <p:sldMasterIdLst>
-    <p:sldMasterId id="2147483660" r:id="rId1"/>
+    <p:sldMasterId id="2147483684" r:id="rId1"/>
   </p:sldMasterIdLst>
   <p:sldIdLst>
     <p:sldId id="256" r:id="rId2"/>
   </p:sldIdLst>
-  <p:sldSz cx="4140200" cy="6480175"/>
+  <p:sldSz cx="3762375" cy="6480175"/>
   <p:notesSz cx="6858000" cy="9144000"/>
   <p:defaultTextStyle>
     <a:defPPr>
@@ -115,7 +115,7 @@
 <file path=ppt/revisionInfo.xml><?xml version="1.0" encoding="utf-8"?>
 <p1510:revInfo xmlns:a="http://schemas.openxmlformats.org/drawingml/2006/main" xmlns:r="http://schemas.openxmlformats.org/officeDocument/2006/relationships" xmlns:p1510="http://schemas.microsoft.com/office/powerpoint/2015/10/main">
   <p1510:revLst>
-    <p1510:client id="{0F071940-DD68-4CEA-9DDC-F961E0B3FF69}" v="30" dt="2025-05-24T17:39:31.777"/>
+    <p1510:client id="{0F071940-DD68-4CEA-9DDC-F961E0B3FF69}" v="34" dt="2025-05-24T17:52:19.854"/>
   </p1510:revLst>
 </p1510:revInfo>
 </file>
@@ -125,90 +125,90 @@
   <pc:docChgLst>
     <pc:chgData name="Fatima Pillosu" userId="a6295d4dc9e22643" providerId="LiveId" clId="{0F071940-DD68-4CEA-9DDC-F961E0B3FF69}"/>
     <pc:docChg chg="undo custSel addSld delSld modSld">
-      <pc:chgData name="Fatima Pillosu" userId="a6295d4dc9e22643" providerId="LiveId" clId="{0F071940-DD68-4CEA-9DDC-F961E0B3FF69}" dt="2025-05-24T17:42:39.553" v="880" actId="1036"/>
+      <pc:chgData name="Fatima Pillosu" userId="a6295d4dc9e22643" providerId="LiveId" clId="{0F071940-DD68-4CEA-9DDC-F961E0B3FF69}" dt="2025-05-24T17:53:13.896" v="997" actId="1036"/>
       <pc:docMkLst>
         <pc:docMk/>
       </pc:docMkLst>
       <pc:sldChg chg="addSp delSp modSp mod">
-        <pc:chgData name="Fatima Pillosu" userId="a6295d4dc9e22643" providerId="LiveId" clId="{0F071940-DD68-4CEA-9DDC-F961E0B3FF69}" dt="2025-05-24T17:42:39.553" v="880" actId="1036"/>
+        <pc:chgData name="Fatima Pillosu" userId="a6295d4dc9e22643" providerId="LiveId" clId="{0F071940-DD68-4CEA-9DDC-F961E0B3FF69}" dt="2025-05-24T17:53:13.896" v="997" actId="1036"/>
         <pc:sldMkLst>
           <pc:docMk/>
           <pc:sldMk cId="2001934226" sldId="256"/>
         </pc:sldMkLst>
-        <pc:spChg chg="add mod">
-          <ac:chgData name="Fatima Pillosu" userId="a6295d4dc9e22643" providerId="LiveId" clId="{0F071940-DD68-4CEA-9DDC-F961E0B3FF69}" dt="2025-05-24T17:42:13.973" v="873" actId="1038"/>
+        <pc:spChg chg="add del mod">
+          <ac:chgData name="Fatima Pillosu" userId="a6295d4dc9e22643" providerId="LiveId" clId="{0F071940-DD68-4CEA-9DDC-F961E0B3FF69}" dt="2025-05-24T17:51:05.924" v="952" actId="21"/>
           <ac:spMkLst>
             <pc:docMk/>
             <pc:sldMk cId="2001934226" sldId="256"/>
             <ac:spMk id="2" creationId="{A4DB30E2-0C13-6AEB-59CD-284D83DB8123}"/>
           </ac:spMkLst>
         </pc:spChg>
-        <pc:spChg chg="add mod">
-          <ac:chgData name="Fatima Pillosu" userId="a6295d4dc9e22643" providerId="LiveId" clId="{0F071940-DD68-4CEA-9DDC-F961E0B3FF69}" dt="2025-05-24T17:42:39.553" v="880" actId="1036"/>
+        <pc:spChg chg="add del mod">
+          <ac:chgData name="Fatima Pillosu" userId="a6295d4dc9e22643" providerId="LiveId" clId="{0F071940-DD68-4CEA-9DDC-F961E0B3FF69}" dt="2025-05-24T17:51:05.924" v="952" actId="21"/>
           <ac:spMkLst>
             <pc:docMk/>
             <pc:sldMk cId="2001934226" sldId="256"/>
             <ac:spMk id="3" creationId="{D32E77C5-B6C0-2E90-479B-0C848DD41382}"/>
           </ac:spMkLst>
         </pc:spChg>
-        <pc:spChg chg="add mod">
-          <ac:chgData name="Fatima Pillosu" userId="a6295d4dc9e22643" providerId="LiveId" clId="{0F071940-DD68-4CEA-9DDC-F961E0B3FF69}" dt="2025-05-24T17:42:39.553" v="880" actId="1036"/>
+        <pc:spChg chg="add del mod">
+          <ac:chgData name="Fatima Pillosu" userId="a6295d4dc9e22643" providerId="LiveId" clId="{0F071940-DD68-4CEA-9DDC-F961E0B3FF69}" dt="2025-05-24T17:51:05.924" v="952" actId="21"/>
           <ac:spMkLst>
             <pc:docMk/>
             <pc:sldMk cId="2001934226" sldId="256"/>
             <ac:spMk id="4" creationId="{4B7F958A-6F0C-F0C0-BE54-70B5CC44C3D2}"/>
           </ac:spMkLst>
         </pc:spChg>
-        <pc:spChg chg="add mod">
-          <ac:chgData name="Fatima Pillosu" userId="a6295d4dc9e22643" providerId="LiveId" clId="{0F071940-DD68-4CEA-9DDC-F961E0B3FF69}" dt="2025-05-24T17:42:39.553" v="880" actId="1036"/>
+        <pc:spChg chg="add del mod">
+          <ac:chgData name="Fatima Pillosu" userId="a6295d4dc9e22643" providerId="LiveId" clId="{0F071940-DD68-4CEA-9DDC-F961E0B3FF69}" dt="2025-05-24T17:51:05.924" v="952" actId="21"/>
           <ac:spMkLst>
             <pc:docMk/>
             <pc:sldMk cId="2001934226" sldId="256"/>
             <ac:spMk id="6" creationId="{B71CAA66-DF64-85B8-23B3-7DBDDB44438A}"/>
           </ac:spMkLst>
         </pc:spChg>
-        <pc:spChg chg="add mod">
-          <ac:chgData name="Fatima Pillosu" userId="a6295d4dc9e22643" providerId="LiveId" clId="{0F071940-DD68-4CEA-9DDC-F961E0B3FF69}" dt="2025-05-24T17:42:05.395" v="867" actId="1038"/>
+        <pc:spChg chg="add del mod">
+          <ac:chgData name="Fatima Pillosu" userId="a6295d4dc9e22643" providerId="LiveId" clId="{0F071940-DD68-4CEA-9DDC-F961E0B3FF69}" dt="2025-05-24T17:51:05.924" v="952" actId="21"/>
           <ac:spMkLst>
             <pc:docMk/>
             <pc:sldMk cId="2001934226" sldId="256"/>
             <ac:spMk id="7" creationId="{42DFAD48-F16E-0B7B-1B2C-4961BF796F2E}"/>
           </ac:spMkLst>
         </pc:spChg>
-        <pc:spChg chg="add mod">
-          <ac:chgData name="Fatima Pillosu" userId="a6295d4dc9e22643" providerId="LiveId" clId="{0F071940-DD68-4CEA-9DDC-F961E0B3FF69}" dt="2025-05-24T17:42:05.395" v="867" actId="1038"/>
+        <pc:spChg chg="add del mod">
+          <ac:chgData name="Fatima Pillosu" userId="a6295d4dc9e22643" providerId="LiveId" clId="{0F071940-DD68-4CEA-9DDC-F961E0B3FF69}" dt="2025-05-24T17:51:05.924" v="952" actId="21"/>
           <ac:spMkLst>
             <pc:docMk/>
             <pc:sldMk cId="2001934226" sldId="256"/>
             <ac:spMk id="8" creationId="{1CB5778A-BC41-27A9-C316-14307500D4A0}"/>
           </ac:spMkLst>
         </pc:spChg>
-        <pc:spChg chg="add mod">
-          <ac:chgData name="Fatima Pillosu" userId="a6295d4dc9e22643" providerId="LiveId" clId="{0F071940-DD68-4CEA-9DDC-F961E0B3FF69}" dt="2025-05-24T17:42:05.395" v="867" actId="1038"/>
+        <pc:spChg chg="add del mod">
+          <ac:chgData name="Fatima Pillosu" userId="a6295d4dc9e22643" providerId="LiveId" clId="{0F071940-DD68-4CEA-9DDC-F961E0B3FF69}" dt="2025-05-24T17:51:05.924" v="952" actId="21"/>
           <ac:spMkLst>
             <pc:docMk/>
             <pc:sldMk cId="2001934226" sldId="256"/>
             <ac:spMk id="9" creationId="{AD646CE8-3370-880E-200D-80617E77A9BE}"/>
           </ac:spMkLst>
         </pc:spChg>
-        <pc:spChg chg="add mod">
-          <ac:chgData name="Fatima Pillosu" userId="a6295d4dc9e22643" providerId="LiveId" clId="{0F071940-DD68-4CEA-9DDC-F961E0B3FF69}" dt="2025-05-24T17:42:13.973" v="873" actId="1038"/>
+        <pc:spChg chg="add del mod">
+          <ac:chgData name="Fatima Pillosu" userId="a6295d4dc9e22643" providerId="LiveId" clId="{0F071940-DD68-4CEA-9DDC-F961E0B3FF69}" dt="2025-05-24T17:51:05.924" v="952" actId="21"/>
           <ac:spMkLst>
             <pc:docMk/>
             <pc:sldMk cId="2001934226" sldId="256"/>
             <ac:spMk id="10" creationId="{8DB64281-D2AB-318B-65A1-5D1D385CB8D7}"/>
           </ac:spMkLst>
         </pc:spChg>
-        <pc:spChg chg="add mod">
-          <ac:chgData name="Fatima Pillosu" userId="a6295d4dc9e22643" providerId="LiveId" clId="{0F071940-DD68-4CEA-9DDC-F961E0B3FF69}" dt="2025-05-24T17:42:13.973" v="873" actId="1038"/>
+        <pc:spChg chg="add del mod">
+          <ac:chgData name="Fatima Pillosu" userId="a6295d4dc9e22643" providerId="LiveId" clId="{0F071940-DD68-4CEA-9DDC-F961E0B3FF69}" dt="2025-05-24T17:51:05.924" v="952" actId="21"/>
           <ac:spMkLst>
             <pc:docMk/>
             <pc:sldMk cId="2001934226" sldId="256"/>
             <ac:spMk id="11" creationId="{E8F936EE-D86D-608C-06B5-BAF9C398C95A}"/>
           </ac:spMkLst>
         </pc:spChg>
-        <pc:spChg chg="mod">
-          <ac:chgData name="Fatima Pillosu" userId="a6295d4dc9e22643" providerId="LiveId" clId="{0F071940-DD68-4CEA-9DDC-F961E0B3FF69}" dt="2025-05-24T17:17:37.028" v="534" actId="207"/>
+        <pc:spChg chg="del mod">
+          <ac:chgData name="Fatima Pillosu" userId="a6295d4dc9e22643" providerId="LiveId" clId="{0F071940-DD68-4CEA-9DDC-F961E0B3FF69}" dt="2025-05-24T17:51:05.924" v="952" actId="21"/>
           <ac:spMkLst>
             <pc:docMk/>
             <pc:sldMk cId="2001934226" sldId="256"/>
@@ -231,12 +231,36 @@
             <ac:spMk id="21" creationId="{0284A2DC-04F5-0D2C-8A57-01740B49A0AD}"/>
           </ac:spMkLst>
         </pc:spChg>
+        <pc:spChg chg="add del mod">
+          <ac:chgData name="Fatima Pillosu" userId="a6295d4dc9e22643" providerId="LiveId" clId="{0F071940-DD68-4CEA-9DDC-F961E0B3FF69}" dt="2025-05-24T17:52:00.949" v="962" actId="21"/>
+          <ac:spMkLst>
+            <pc:docMk/>
+            <pc:sldMk cId="2001934226" sldId="256"/>
+            <ac:spMk id="21" creationId="{7D251682-B46D-DC7E-8C5E-59DFF1C27261}"/>
+          </ac:spMkLst>
+        </pc:spChg>
         <pc:spChg chg="del mod">
           <ac:chgData name="Fatima Pillosu" userId="a6295d4dc9e22643" providerId="LiveId" clId="{0F071940-DD68-4CEA-9DDC-F961E0B3FF69}" dt="2025-05-24T17:39:43.915" v="736" actId="478"/>
           <ac:spMkLst>
             <pc:docMk/>
             <pc:sldMk cId="2001934226" sldId="256"/>
             <ac:spMk id="22" creationId="{7792FD3C-224E-D659-A131-B255E8E96E52}"/>
+          </ac:spMkLst>
+        </pc:spChg>
+        <pc:spChg chg="add del mod">
+          <ac:chgData name="Fatima Pillosu" userId="a6295d4dc9e22643" providerId="LiveId" clId="{0F071940-DD68-4CEA-9DDC-F961E0B3FF69}" dt="2025-05-24T17:52:00.949" v="962" actId="21"/>
+          <ac:spMkLst>
+            <pc:docMk/>
+            <pc:sldMk cId="2001934226" sldId="256"/>
+            <ac:spMk id="22" creationId="{D32E77C5-B6C0-2E90-479B-0C848DD41382}"/>
+          </ac:spMkLst>
+        </pc:spChg>
+        <pc:spChg chg="add del mod">
+          <ac:chgData name="Fatima Pillosu" userId="a6295d4dc9e22643" providerId="LiveId" clId="{0F071940-DD68-4CEA-9DDC-F961E0B3FF69}" dt="2025-05-24T17:52:00.949" v="962" actId="21"/>
+          <ac:spMkLst>
+            <pc:docMk/>
+            <pc:sldMk cId="2001934226" sldId="256"/>
+            <ac:spMk id="23" creationId="{4B7F958A-6F0C-F0C0-BE54-70B5CC44C3D2}"/>
           </ac:spMkLst>
         </pc:spChg>
         <pc:spChg chg="del mod">
@@ -255,12 +279,148 @@
             <ac:spMk id="24" creationId="{728394F9-CAEC-DD34-1C7D-BCD4BEC3F436}"/>
           </ac:spMkLst>
         </pc:spChg>
+        <pc:spChg chg="add del mod">
+          <ac:chgData name="Fatima Pillosu" userId="a6295d4dc9e22643" providerId="LiveId" clId="{0F071940-DD68-4CEA-9DDC-F961E0B3FF69}" dt="2025-05-24T17:52:00.949" v="962" actId="21"/>
+          <ac:spMkLst>
+            <pc:docMk/>
+            <pc:sldMk cId="2001934226" sldId="256"/>
+            <ac:spMk id="25" creationId="{B71CAA66-DF64-85B8-23B3-7DBDDB44438A}"/>
+          </ac:spMkLst>
+        </pc:spChg>
         <pc:spChg chg="del mod">
           <ac:chgData name="Fatima Pillosu" userId="a6295d4dc9e22643" providerId="LiveId" clId="{0F071940-DD68-4CEA-9DDC-F961E0B3FF69}" dt="2025-05-24T17:39:41.459" v="734" actId="478"/>
           <ac:spMkLst>
             <pc:docMk/>
             <pc:sldMk cId="2001934226" sldId="256"/>
             <ac:spMk id="25" creationId="{FC832C13-787F-2152-898E-AA680DE9C99E}"/>
+          </ac:spMkLst>
+        </pc:spChg>
+        <pc:spChg chg="add del mod">
+          <ac:chgData name="Fatima Pillosu" userId="a6295d4dc9e22643" providerId="LiveId" clId="{0F071940-DD68-4CEA-9DDC-F961E0B3FF69}" dt="2025-05-24T17:52:00.949" v="962" actId="21"/>
+          <ac:spMkLst>
+            <pc:docMk/>
+            <pc:sldMk cId="2001934226" sldId="256"/>
+            <ac:spMk id="26" creationId="{A4DB30E2-0C13-6AEB-59CD-284D83DB8123}"/>
+          </ac:spMkLst>
+        </pc:spChg>
+        <pc:spChg chg="add del mod">
+          <ac:chgData name="Fatima Pillosu" userId="a6295d4dc9e22643" providerId="LiveId" clId="{0F071940-DD68-4CEA-9DDC-F961E0B3FF69}" dt="2025-05-24T17:52:00.949" v="962" actId="21"/>
+          <ac:spMkLst>
+            <pc:docMk/>
+            <pc:sldMk cId="2001934226" sldId="256"/>
+            <ac:spMk id="28" creationId="{42DFAD48-F16E-0B7B-1B2C-4961BF796F2E}"/>
+          </ac:spMkLst>
+        </pc:spChg>
+        <pc:spChg chg="add del mod">
+          <ac:chgData name="Fatima Pillosu" userId="a6295d4dc9e22643" providerId="LiveId" clId="{0F071940-DD68-4CEA-9DDC-F961E0B3FF69}" dt="2025-05-24T17:52:00.949" v="962" actId="21"/>
+          <ac:spMkLst>
+            <pc:docMk/>
+            <pc:sldMk cId="2001934226" sldId="256"/>
+            <ac:spMk id="30" creationId="{1CB5778A-BC41-27A9-C316-14307500D4A0}"/>
+          </ac:spMkLst>
+        </pc:spChg>
+        <pc:spChg chg="add del mod">
+          <ac:chgData name="Fatima Pillosu" userId="a6295d4dc9e22643" providerId="LiveId" clId="{0F071940-DD68-4CEA-9DDC-F961E0B3FF69}" dt="2025-05-24T17:52:00.949" v="962" actId="21"/>
+          <ac:spMkLst>
+            <pc:docMk/>
+            <pc:sldMk cId="2001934226" sldId="256"/>
+            <ac:spMk id="32" creationId="{AD646CE8-3370-880E-200D-80617E77A9BE}"/>
+          </ac:spMkLst>
+        </pc:spChg>
+        <pc:spChg chg="add del mod">
+          <ac:chgData name="Fatima Pillosu" userId="a6295d4dc9e22643" providerId="LiveId" clId="{0F071940-DD68-4CEA-9DDC-F961E0B3FF69}" dt="2025-05-24T17:52:00.949" v="962" actId="21"/>
+          <ac:spMkLst>
+            <pc:docMk/>
+            <pc:sldMk cId="2001934226" sldId="256"/>
+            <ac:spMk id="34" creationId="{8DB64281-D2AB-318B-65A1-5D1D385CB8D7}"/>
+          </ac:spMkLst>
+        </pc:spChg>
+        <pc:spChg chg="add del mod">
+          <ac:chgData name="Fatima Pillosu" userId="a6295d4dc9e22643" providerId="LiveId" clId="{0F071940-DD68-4CEA-9DDC-F961E0B3FF69}" dt="2025-05-24T17:52:00.949" v="962" actId="21"/>
+          <ac:spMkLst>
+            <pc:docMk/>
+            <pc:sldMk cId="2001934226" sldId="256"/>
+            <ac:spMk id="35" creationId="{E8F936EE-D86D-608C-06B5-BAF9C398C95A}"/>
+          </ac:spMkLst>
+        </pc:spChg>
+        <pc:spChg chg="add mod">
+          <ac:chgData name="Fatima Pillosu" userId="a6295d4dc9e22643" providerId="LiveId" clId="{0F071940-DD68-4CEA-9DDC-F961E0B3FF69}" dt="2025-05-24T17:53:13.896" v="997" actId="1036"/>
+          <ac:spMkLst>
+            <pc:docMk/>
+            <pc:sldMk cId="2001934226" sldId="256"/>
+            <ac:spMk id="42" creationId="{7D251682-B46D-DC7E-8C5E-59DFF1C27261}"/>
+          </ac:spMkLst>
+        </pc:spChg>
+        <pc:spChg chg="add mod">
+          <ac:chgData name="Fatima Pillosu" userId="a6295d4dc9e22643" providerId="LiveId" clId="{0F071940-DD68-4CEA-9DDC-F961E0B3FF69}" dt="2025-05-24T17:53:07.244" v="996" actId="1038"/>
+          <ac:spMkLst>
+            <pc:docMk/>
+            <pc:sldMk cId="2001934226" sldId="256"/>
+            <ac:spMk id="43" creationId="{D32E77C5-B6C0-2E90-479B-0C848DD41382}"/>
+          </ac:spMkLst>
+        </pc:spChg>
+        <pc:spChg chg="add mod">
+          <ac:chgData name="Fatima Pillosu" userId="a6295d4dc9e22643" providerId="LiveId" clId="{0F071940-DD68-4CEA-9DDC-F961E0B3FF69}" dt="2025-05-24T17:53:07.244" v="996" actId="1038"/>
+          <ac:spMkLst>
+            <pc:docMk/>
+            <pc:sldMk cId="2001934226" sldId="256"/>
+            <ac:spMk id="44" creationId="{4B7F958A-6F0C-F0C0-BE54-70B5CC44C3D2}"/>
+          </ac:spMkLst>
+        </pc:spChg>
+        <pc:spChg chg="add mod">
+          <ac:chgData name="Fatima Pillosu" userId="a6295d4dc9e22643" providerId="LiveId" clId="{0F071940-DD68-4CEA-9DDC-F961E0B3FF69}" dt="2025-05-24T17:53:07.244" v="996" actId="1038"/>
+          <ac:spMkLst>
+            <pc:docMk/>
+            <pc:sldMk cId="2001934226" sldId="256"/>
+            <ac:spMk id="46" creationId="{B71CAA66-DF64-85B8-23B3-7DBDDB44438A}"/>
+          </ac:spMkLst>
+        </pc:spChg>
+        <pc:spChg chg="add mod">
+          <ac:chgData name="Fatima Pillosu" userId="a6295d4dc9e22643" providerId="LiveId" clId="{0F071940-DD68-4CEA-9DDC-F961E0B3FF69}" dt="2025-05-24T17:52:26.806" v="965" actId="1038"/>
+          <ac:spMkLst>
+            <pc:docMk/>
+            <pc:sldMk cId="2001934226" sldId="256"/>
+            <ac:spMk id="47" creationId="{A4DB30E2-0C13-6AEB-59CD-284D83DB8123}"/>
+          </ac:spMkLst>
+        </pc:spChg>
+        <pc:spChg chg="add mod">
+          <ac:chgData name="Fatima Pillosu" userId="a6295d4dc9e22643" providerId="LiveId" clId="{0F071940-DD68-4CEA-9DDC-F961E0B3FF69}" dt="2025-05-24T17:52:26.806" v="965" actId="1038"/>
+          <ac:spMkLst>
+            <pc:docMk/>
+            <pc:sldMk cId="2001934226" sldId="256"/>
+            <ac:spMk id="48" creationId="{42DFAD48-F16E-0B7B-1B2C-4961BF796F2E}"/>
+          </ac:spMkLst>
+        </pc:spChg>
+        <pc:spChg chg="add mod">
+          <ac:chgData name="Fatima Pillosu" userId="a6295d4dc9e22643" providerId="LiveId" clId="{0F071940-DD68-4CEA-9DDC-F961E0B3FF69}" dt="2025-05-24T17:52:26.806" v="965" actId="1038"/>
+          <ac:spMkLst>
+            <pc:docMk/>
+            <pc:sldMk cId="2001934226" sldId="256"/>
+            <ac:spMk id="49" creationId="{1CB5778A-BC41-27A9-C316-14307500D4A0}"/>
+          </ac:spMkLst>
+        </pc:spChg>
+        <pc:spChg chg="add mod">
+          <ac:chgData name="Fatima Pillosu" userId="a6295d4dc9e22643" providerId="LiveId" clId="{0F071940-DD68-4CEA-9DDC-F961E0B3FF69}" dt="2025-05-24T17:52:26.806" v="965" actId="1038"/>
+          <ac:spMkLst>
+            <pc:docMk/>
+            <pc:sldMk cId="2001934226" sldId="256"/>
+            <ac:spMk id="50" creationId="{AD646CE8-3370-880E-200D-80617E77A9BE}"/>
+          </ac:spMkLst>
+        </pc:spChg>
+        <pc:spChg chg="add mod">
+          <ac:chgData name="Fatima Pillosu" userId="a6295d4dc9e22643" providerId="LiveId" clId="{0F071940-DD68-4CEA-9DDC-F961E0B3FF69}" dt="2025-05-24T17:52:26.806" v="965" actId="1038"/>
+          <ac:spMkLst>
+            <pc:docMk/>
+            <pc:sldMk cId="2001934226" sldId="256"/>
+            <ac:spMk id="51" creationId="{8DB64281-D2AB-318B-65A1-5D1D385CB8D7}"/>
+          </ac:spMkLst>
+        </pc:spChg>
+        <pc:spChg chg="add mod">
+          <ac:chgData name="Fatima Pillosu" userId="a6295d4dc9e22643" providerId="LiveId" clId="{0F071940-DD68-4CEA-9DDC-F961E0B3FF69}" dt="2025-05-24T17:52:26.806" v="965" actId="1038"/>
+          <ac:spMkLst>
+            <pc:docMk/>
+            <pc:sldMk cId="2001934226" sldId="256"/>
+            <ac:spMk id="52" creationId="{E8F936EE-D86D-608C-06B5-BAF9C398C95A}"/>
           </ac:spMkLst>
         </pc:spChg>
         <pc:picChg chg="add del mod ord">
@@ -383,6 +543,22 @@
             <ac:picMk id="12" creationId="{2E6FE5D1-DD87-DFCD-29A4-A65592F54A71}"/>
           </ac:picMkLst>
         </pc:picChg>
+        <pc:picChg chg="add del mod">
+          <ac:chgData name="Fatima Pillosu" userId="a6295d4dc9e22643" providerId="LiveId" clId="{0F071940-DD68-4CEA-9DDC-F961E0B3FF69}" dt="2025-05-24T17:52:00.949" v="962" actId="21"/>
+          <ac:picMkLst>
+            <pc:docMk/>
+            <pc:sldMk cId="2001934226" sldId="256"/>
+            <ac:picMk id="12" creationId="{3240103B-C137-A56C-84C9-B6B564E79A20}"/>
+          </ac:picMkLst>
+        </pc:picChg>
+        <pc:picChg chg="add del mod">
+          <ac:chgData name="Fatima Pillosu" userId="a6295d4dc9e22643" providerId="LiveId" clId="{0F071940-DD68-4CEA-9DDC-F961E0B3FF69}" dt="2025-05-24T17:52:00.949" v="962" actId="21"/>
+          <ac:picMkLst>
+            <pc:docMk/>
+            <pc:sldMk cId="2001934226" sldId="256"/>
+            <ac:picMk id="13" creationId="{9AE58AB0-A746-CB79-DB68-4742D849225C}"/>
+          </ac:picMkLst>
+        </pc:picChg>
         <pc:picChg chg="add mod">
           <ac:chgData name="Fatima Pillosu" userId="a6295d4dc9e22643" providerId="LiveId" clId="{0F071940-DD68-4CEA-9DDC-F961E0B3FF69}" dt="2025-05-24T16:47:50.792" v="309" actId="1076"/>
           <ac:picMkLst>
@@ -399,6 +575,14 @@
             <ac:picMk id="13" creationId="{ED4199B9-5924-0506-BBF8-75CD667A48EF}"/>
           </ac:picMkLst>
         </pc:picChg>
+        <pc:picChg chg="add del mod">
+          <ac:chgData name="Fatima Pillosu" userId="a6295d4dc9e22643" providerId="LiveId" clId="{0F071940-DD68-4CEA-9DDC-F961E0B3FF69}" dt="2025-05-24T17:52:00.949" v="962" actId="21"/>
+          <ac:picMkLst>
+            <pc:docMk/>
+            <pc:sldMk cId="2001934226" sldId="256"/>
+            <ac:picMk id="14" creationId="{6B8AF29E-2315-3062-9B85-D14957DB473E}"/>
+          </ac:picMkLst>
+        </pc:picChg>
         <pc:picChg chg="add mod">
           <ac:chgData name="Fatima Pillosu" userId="a6295d4dc9e22643" providerId="LiveId" clId="{0F071940-DD68-4CEA-9DDC-F961E0B3FF69}" dt="2025-05-24T16:47:51.153" v="310" actId="1076"/>
           <ac:picMkLst>
@@ -415,8 +599,16 @@
             <ac:picMk id="15" creationId="{467B8C9A-FA7C-8950-DCEA-5A0C7E20240B}"/>
           </ac:picMkLst>
         </pc:picChg>
-        <pc:picChg chg="add mod ord modCrop">
-          <ac:chgData name="Fatima Pillosu" userId="a6295d4dc9e22643" providerId="LiveId" clId="{0F071940-DD68-4CEA-9DDC-F961E0B3FF69}" dt="2025-05-24T17:41:44.270" v="846" actId="1038"/>
+        <pc:picChg chg="add del mod">
+          <ac:chgData name="Fatima Pillosu" userId="a6295d4dc9e22643" providerId="LiveId" clId="{0F071940-DD68-4CEA-9DDC-F961E0B3FF69}" dt="2025-05-24T17:52:00.949" v="962" actId="21"/>
+          <ac:picMkLst>
+            <pc:docMk/>
+            <pc:sldMk cId="2001934226" sldId="256"/>
+            <ac:picMk id="15" creationId="{65189D81-F03A-641F-947A-FEB007DBA5BF}"/>
+          </ac:picMkLst>
+        </pc:picChg>
+        <pc:picChg chg="add del mod ord modCrop">
+          <ac:chgData name="Fatima Pillosu" userId="a6295d4dc9e22643" providerId="LiveId" clId="{0F071940-DD68-4CEA-9DDC-F961E0B3FF69}" dt="2025-05-24T17:51:05.924" v="952" actId="21"/>
           <ac:picMkLst>
             <pc:docMk/>
             <pc:sldMk cId="2001934226" sldId="256"/>
@@ -431,52 +623,132 @@
             <ac:picMk id="16" creationId="{B66B38DB-221B-0B21-B782-2A24DDDA85FD}"/>
           </ac:picMkLst>
         </pc:picChg>
-        <pc:picChg chg="add mod ord">
-          <ac:chgData name="Fatima Pillosu" userId="a6295d4dc9e22643" providerId="LiveId" clId="{0F071940-DD68-4CEA-9DDC-F961E0B3FF69}" dt="2025-05-24T17:41:50.963" v="856" actId="1037"/>
+        <pc:picChg chg="add del mod">
+          <ac:chgData name="Fatima Pillosu" userId="a6295d4dc9e22643" providerId="LiveId" clId="{0F071940-DD68-4CEA-9DDC-F961E0B3FF69}" dt="2025-05-24T17:52:00.949" v="962" actId="21"/>
+          <ac:picMkLst>
+            <pc:docMk/>
+            <pc:sldMk cId="2001934226" sldId="256"/>
+            <ac:picMk id="18" creationId="{10BAFD11-1099-3C3B-C9FC-C353CD903E7A}"/>
+          </ac:picMkLst>
+        </pc:picChg>
+        <pc:picChg chg="add del mod">
+          <ac:chgData name="Fatima Pillosu" userId="a6295d4dc9e22643" providerId="LiveId" clId="{0F071940-DD68-4CEA-9DDC-F961E0B3FF69}" dt="2025-05-24T17:52:00.949" v="962" actId="21"/>
+          <ac:picMkLst>
+            <pc:docMk/>
+            <pc:sldMk cId="2001934226" sldId="256"/>
+            <ac:picMk id="19" creationId="{FB8578E7-859D-CDA0-F749-138863AF1E37}"/>
+          </ac:picMkLst>
+        </pc:picChg>
+        <pc:picChg chg="add del mod ord">
+          <ac:chgData name="Fatima Pillosu" userId="a6295d4dc9e22643" providerId="LiveId" clId="{0F071940-DD68-4CEA-9DDC-F961E0B3FF69}" dt="2025-05-24T17:51:05.924" v="952" actId="21"/>
           <ac:picMkLst>
             <pc:docMk/>
             <pc:sldMk cId="2001934226" sldId="256"/>
             <ac:picMk id="20" creationId="{9AE58AB0-A746-CB79-DB68-4742D849225C}"/>
           </ac:picMkLst>
         </pc:picChg>
-        <pc:picChg chg="add mod ord modCrop">
-          <ac:chgData name="Fatima Pillosu" userId="a6295d4dc9e22643" providerId="LiveId" clId="{0F071940-DD68-4CEA-9DDC-F961E0B3FF69}" dt="2025-05-24T17:41:44.270" v="846" actId="1038"/>
+        <pc:picChg chg="add del mod ord modCrop">
+          <ac:chgData name="Fatima Pillosu" userId="a6295d4dc9e22643" providerId="LiveId" clId="{0F071940-DD68-4CEA-9DDC-F961E0B3FF69}" dt="2025-05-24T17:51:05.924" v="952" actId="21"/>
           <ac:picMkLst>
             <pc:docMk/>
             <pc:sldMk cId="2001934226" sldId="256"/>
             <ac:picMk id="27" creationId="{6B8AF29E-2315-3062-9B85-D14957DB473E}"/>
           </ac:picMkLst>
         </pc:picChg>
-        <pc:picChg chg="add mod ord">
-          <ac:chgData name="Fatima Pillosu" userId="a6295d4dc9e22643" providerId="LiveId" clId="{0F071940-DD68-4CEA-9DDC-F961E0B3FF69}" dt="2025-05-24T17:41:50.963" v="856" actId="1037"/>
+        <pc:picChg chg="add del mod ord">
+          <ac:chgData name="Fatima Pillosu" userId="a6295d4dc9e22643" providerId="LiveId" clId="{0F071940-DD68-4CEA-9DDC-F961E0B3FF69}" dt="2025-05-24T17:51:05.924" v="952" actId="21"/>
           <ac:picMkLst>
             <pc:docMk/>
             <pc:sldMk cId="2001934226" sldId="256"/>
             <ac:picMk id="29" creationId="{65189D81-F03A-641F-947A-FEB007DBA5BF}"/>
           </ac:picMkLst>
         </pc:picChg>
-        <pc:picChg chg="add mod ord modCrop">
-          <ac:chgData name="Fatima Pillosu" userId="a6295d4dc9e22643" providerId="LiveId" clId="{0F071940-DD68-4CEA-9DDC-F961E0B3FF69}" dt="2025-05-24T17:41:44.270" v="846" actId="1038"/>
+        <pc:picChg chg="add del mod ord modCrop">
+          <ac:chgData name="Fatima Pillosu" userId="a6295d4dc9e22643" providerId="LiveId" clId="{0F071940-DD68-4CEA-9DDC-F961E0B3FF69}" dt="2025-05-24T17:51:05.924" v="952" actId="21"/>
           <ac:picMkLst>
             <pc:docMk/>
             <pc:sldMk cId="2001934226" sldId="256"/>
             <ac:picMk id="31" creationId="{10BAFD11-1099-3C3B-C9FC-C353CD903E7A}"/>
           </ac:picMkLst>
         </pc:picChg>
-        <pc:picChg chg="add mod ord modCrop">
-          <ac:chgData name="Fatima Pillosu" userId="a6295d4dc9e22643" providerId="LiveId" clId="{0F071940-DD68-4CEA-9DDC-F961E0B3FF69}" dt="2025-05-24T17:41:50.963" v="856" actId="1037"/>
+        <pc:picChg chg="add del mod ord modCrop">
+          <ac:chgData name="Fatima Pillosu" userId="a6295d4dc9e22643" providerId="LiveId" clId="{0F071940-DD68-4CEA-9DDC-F961E0B3FF69}" dt="2025-05-24T17:51:05.924" v="952" actId="21"/>
           <ac:picMkLst>
             <pc:docMk/>
             <pc:sldMk cId="2001934226" sldId="256"/>
             <ac:picMk id="33" creationId="{FB8578E7-859D-CDA0-F749-138863AF1E37}"/>
           </ac:picMkLst>
         </pc:picChg>
+        <pc:picChg chg="add mod">
+          <ac:chgData name="Fatima Pillosu" userId="a6295d4dc9e22643" providerId="LiveId" clId="{0F071940-DD68-4CEA-9DDC-F961E0B3FF69}" dt="2025-05-24T17:52:26.806" v="965" actId="1038"/>
+          <ac:picMkLst>
+            <pc:docMk/>
+            <pc:sldMk cId="2001934226" sldId="256"/>
+            <ac:picMk id="36" creationId="{3240103B-C137-A56C-84C9-B6B564E79A20}"/>
+          </ac:picMkLst>
+        </pc:picChg>
+        <pc:picChg chg="add mod">
+          <ac:chgData name="Fatima Pillosu" userId="a6295d4dc9e22643" providerId="LiveId" clId="{0F071940-DD68-4CEA-9DDC-F961E0B3FF69}" dt="2025-05-24T17:52:26.806" v="965" actId="1038"/>
+          <ac:picMkLst>
+            <pc:docMk/>
+            <pc:sldMk cId="2001934226" sldId="256"/>
+            <ac:picMk id="37" creationId="{9AE58AB0-A746-CB79-DB68-4742D849225C}"/>
+          </ac:picMkLst>
+        </pc:picChg>
+        <pc:picChg chg="add mod">
+          <ac:chgData name="Fatima Pillosu" userId="a6295d4dc9e22643" providerId="LiveId" clId="{0F071940-DD68-4CEA-9DDC-F961E0B3FF69}" dt="2025-05-24T17:52:26.806" v="965" actId="1038"/>
+          <ac:picMkLst>
+            <pc:docMk/>
+            <pc:sldMk cId="2001934226" sldId="256"/>
+            <ac:picMk id="38" creationId="{6B8AF29E-2315-3062-9B85-D14957DB473E}"/>
+          </ac:picMkLst>
+        </pc:picChg>
+        <pc:picChg chg="add mod">
+          <ac:chgData name="Fatima Pillosu" userId="a6295d4dc9e22643" providerId="LiveId" clId="{0F071940-DD68-4CEA-9DDC-F961E0B3FF69}" dt="2025-05-24T17:52:26.806" v="965" actId="1038"/>
+          <ac:picMkLst>
+            <pc:docMk/>
+            <pc:sldMk cId="2001934226" sldId="256"/>
+            <ac:picMk id="39" creationId="{65189D81-F03A-641F-947A-FEB007DBA5BF}"/>
+          </ac:picMkLst>
+        </pc:picChg>
+        <pc:picChg chg="add mod">
+          <ac:chgData name="Fatima Pillosu" userId="a6295d4dc9e22643" providerId="LiveId" clId="{0F071940-DD68-4CEA-9DDC-F961E0B3FF69}" dt="2025-05-24T17:52:26.806" v="965" actId="1038"/>
+          <ac:picMkLst>
+            <pc:docMk/>
+            <pc:sldMk cId="2001934226" sldId="256"/>
+            <ac:picMk id="40" creationId="{10BAFD11-1099-3C3B-C9FC-C353CD903E7A}"/>
+          </ac:picMkLst>
+        </pc:picChg>
+        <pc:picChg chg="add mod">
+          <ac:chgData name="Fatima Pillosu" userId="a6295d4dc9e22643" providerId="LiveId" clId="{0F071940-DD68-4CEA-9DDC-F961E0B3FF69}" dt="2025-05-24T17:52:26.806" v="965" actId="1038"/>
+          <ac:picMkLst>
+            <pc:docMk/>
+            <pc:sldMk cId="2001934226" sldId="256"/>
+            <ac:picMk id="41" creationId="{FB8578E7-859D-CDA0-F749-138863AF1E37}"/>
+          </ac:picMkLst>
+        </pc:picChg>
+        <pc:cxnChg chg="add del mod">
+          <ac:chgData name="Fatima Pillosu" userId="a6295d4dc9e22643" providerId="LiveId" clId="{0F071940-DD68-4CEA-9DDC-F961E0B3FF69}" dt="2025-05-24T17:51:05.924" v="952" actId="21"/>
+          <ac:cxnSpMkLst>
+            <pc:docMk/>
+            <pc:sldMk cId="2001934226" sldId="256"/>
+            <ac:cxnSpMk id="5" creationId="{80B63810-D1D9-8EEB-E25A-478D292B229D}"/>
+          </ac:cxnSpMkLst>
+        </pc:cxnChg>
+        <pc:cxnChg chg="add del mod">
+          <ac:chgData name="Fatima Pillosu" userId="a6295d4dc9e22643" providerId="LiveId" clId="{0F071940-DD68-4CEA-9DDC-F961E0B3FF69}" dt="2025-05-24T17:52:00.949" v="962" actId="21"/>
+          <ac:cxnSpMkLst>
+            <pc:docMk/>
+            <pc:sldMk cId="2001934226" sldId="256"/>
+            <ac:cxnSpMk id="24" creationId="{80B63810-D1D9-8EEB-E25A-478D292B229D}"/>
+          </ac:cxnSpMkLst>
+        </pc:cxnChg>
         <pc:cxnChg chg="add mod">
-          <ac:chgData name="Fatima Pillosu" userId="a6295d4dc9e22643" providerId="LiveId" clId="{0F071940-DD68-4CEA-9DDC-F961E0B3FF69}" dt="2025-05-24T17:42:39.553" v="880" actId="1036"/>
+          <ac:chgData name="Fatima Pillosu" userId="a6295d4dc9e22643" providerId="LiveId" clId="{0F071940-DD68-4CEA-9DDC-F961E0B3FF69}" dt="2025-05-24T17:53:07.244" v="996" actId="1038"/>
           <ac:cxnSpMkLst>
             <pc:docMk/>
             <pc:sldMk cId="2001934226" sldId="256"/>
-            <ac:cxnSpMk id="5" creationId="{80B63810-D1D9-8EEB-E25A-478D292B229D}"/>
+            <ac:cxnSpMk id="45" creationId="{80B63810-D1D9-8EEB-E25A-478D292B229D}"/>
           </ac:cxnSpMkLst>
         </pc:cxnChg>
       </pc:sldChg>
@@ -960,15 +1232,15 @@
         </p:nvSpPr>
         <p:spPr>
           <a:xfrm>
-            <a:off x="310515" y="1060529"/>
-            <a:ext cx="3519170" cy="2256061"/>
+            <a:off x="282178" y="1060529"/>
+            <a:ext cx="3198019" cy="2256061"/>
           </a:xfrm>
         </p:spPr>
         <p:txBody>
           <a:bodyPr anchor="b"/>
           <a:lstStyle>
             <a:lvl1pPr algn="ctr">
-              <a:defRPr sz="2717"/>
+              <a:defRPr sz="2469"/>
             </a:lvl1pPr>
           </a:lstStyle>
           <a:p>
@@ -992,8 +1264,8 @@
         </p:nvSpPr>
         <p:spPr>
           <a:xfrm>
-            <a:off x="517525" y="3403592"/>
-            <a:ext cx="3105150" cy="1564542"/>
+            <a:off x="470297" y="3403592"/>
+            <a:ext cx="2821781" cy="1564542"/>
           </a:xfrm>
         </p:spPr>
         <p:txBody>
@@ -1001,39 +1273,39 @@
           <a:lstStyle>
             <a:lvl1pPr marL="0" indent="0" algn="ctr">
               <a:buNone/>
-              <a:defRPr sz="1087"/>
+              <a:defRPr sz="988"/>
             </a:lvl1pPr>
-            <a:lvl2pPr marL="207020" indent="0" algn="ctr">
-              <a:buNone/>
-              <a:defRPr sz="906"/>
+            <a:lvl2pPr marL="188138" indent="0" algn="ctr">
+              <a:buNone/>
+              <a:defRPr sz="823"/>
             </a:lvl2pPr>
-            <a:lvl3pPr marL="414040" indent="0" algn="ctr">
-              <a:buNone/>
-              <a:defRPr sz="815"/>
+            <a:lvl3pPr marL="376276" indent="0" algn="ctr">
+              <a:buNone/>
+              <a:defRPr sz="741"/>
             </a:lvl3pPr>
-            <a:lvl4pPr marL="621060" indent="0" algn="ctr">
-              <a:buNone/>
-              <a:defRPr sz="724"/>
+            <a:lvl4pPr marL="564413" indent="0" algn="ctr">
+              <a:buNone/>
+              <a:defRPr sz="658"/>
             </a:lvl4pPr>
-            <a:lvl5pPr marL="828081" indent="0" algn="ctr">
-              <a:buNone/>
-              <a:defRPr sz="724"/>
+            <a:lvl5pPr marL="752551" indent="0" algn="ctr">
+              <a:buNone/>
+              <a:defRPr sz="658"/>
             </a:lvl5pPr>
-            <a:lvl6pPr marL="1035101" indent="0" algn="ctr">
-              <a:buNone/>
-              <a:defRPr sz="724"/>
+            <a:lvl6pPr marL="940689" indent="0" algn="ctr">
+              <a:buNone/>
+              <a:defRPr sz="658"/>
             </a:lvl6pPr>
-            <a:lvl7pPr marL="1242121" indent="0" algn="ctr">
-              <a:buNone/>
-              <a:defRPr sz="724"/>
+            <a:lvl7pPr marL="1128827" indent="0" algn="ctr">
+              <a:buNone/>
+              <a:defRPr sz="658"/>
             </a:lvl7pPr>
-            <a:lvl8pPr marL="1449141" indent="0" algn="ctr">
-              <a:buNone/>
-              <a:defRPr sz="724"/>
+            <a:lvl8pPr marL="1316965" indent="0" algn="ctr">
+              <a:buNone/>
+              <a:defRPr sz="658"/>
             </a:lvl8pPr>
-            <a:lvl9pPr marL="1656161" indent="0" algn="ctr">
-              <a:buNone/>
-              <a:defRPr sz="724"/>
+            <a:lvl9pPr marL="1505102" indent="0" algn="ctr">
+              <a:buNone/>
+              <a:defRPr sz="658"/>
             </a:lvl9pPr>
           </a:lstStyle>
           <a:p>
@@ -1113,7 +1385,7 @@
     </p:spTree>
     <p:extLst>
       <p:ext uri="{BB962C8B-B14F-4D97-AF65-F5344CB8AC3E}">
-        <p14:creationId xmlns:p14="http://schemas.microsoft.com/office/powerpoint/2010/main" val="2401361599"/>
+        <p14:creationId xmlns:p14="http://schemas.microsoft.com/office/powerpoint/2010/main" val="1366382840"/>
       </p:ext>
     </p:extLst>
   </p:cSld>
@@ -1283,7 +1555,7 @@
     </p:spTree>
     <p:extLst>
       <p:ext uri="{BB962C8B-B14F-4D97-AF65-F5344CB8AC3E}">
-        <p14:creationId xmlns:p14="http://schemas.microsoft.com/office/powerpoint/2010/main" val="698188246"/>
+        <p14:creationId xmlns:p14="http://schemas.microsoft.com/office/powerpoint/2010/main" val="2355697431"/>
       </p:ext>
     </p:extLst>
   </p:cSld>
@@ -1322,8 +1594,8 @@
         </p:nvSpPr>
         <p:spPr>
           <a:xfrm>
-            <a:off x="2962831" y="345009"/>
-            <a:ext cx="892731" cy="5491649"/>
+            <a:off x="2692450" y="345009"/>
+            <a:ext cx="811262" cy="5491649"/>
           </a:xfrm>
         </p:spPr>
         <p:txBody>
@@ -1350,8 +1622,8 @@
         </p:nvSpPr>
         <p:spPr>
           <a:xfrm>
-            <a:off x="284639" y="345009"/>
-            <a:ext cx="2626439" cy="5491649"/>
+            <a:off x="258663" y="345009"/>
+            <a:ext cx="2386757" cy="5491649"/>
           </a:xfrm>
         </p:spPr>
         <p:txBody>
@@ -1463,7 +1735,7 @@
     </p:spTree>
     <p:extLst>
       <p:ext uri="{BB962C8B-B14F-4D97-AF65-F5344CB8AC3E}">
-        <p14:creationId xmlns:p14="http://schemas.microsoft.com/office/powerpoint/2010/main" val="4077201378"/>
+        <p14:creationId xmlns:p14="http://schemas.microsoft.com/office/powerpoint/2010/main" val="2760401479"/>
       </p:ext>
     </p:extLst>
   </p:cSld>
@@ -1633,7 +1905,7 @@
     </p:spTree>
     <p:extLst>
       <p:ext uri="{BB962C8B-B14F-4D97-AF65-F5344CB8AC3E}">
-        <p14:creationId xmlns:p14="http://schemas.microsoft.com/office/powerpoint/2010/main" val="3581467452"/>
+        <p14:creationId xmlns:p14="http://schemas.microsoft.com/office/powerpoint/2010/main" val="802769943"/>
       </p:ext>
     </p:extLst>
   </p:cSld>
@@ -1672,15 +1944,15 @@
         </p:nvSpPr>
         <p:spPr>
           <a:xfrm>
-            <a:off x="282482" y="1615546"/>
-            <a:ext cx="3570923" cy="2695572"/>
+            <a:off x="256704" y="1615546"/>
+            <a:ext cx="3245048" cy="2695572"/>
           </a:xfrm>
         </p:spPr>
         <p:txBody>
           <a:bodyPr anchor="b"/>
           <a:lstStyle>
             <a:lvl1pPr>
-              <a:defRPr sz="2717"/>
+              <a:defRPr sz="2469"/>
             </a:lvl1pPr>
           </a:lstStyle>
           <a:p>
@@ -1704,8 +1976,8 @@
         </p:nvSpPr>
         <p:spPr>
           <a:xfrm>
-            <a:off x="282482" y="4336619"/>
-            <a:ext cx="3570923" cy="1417538"/>
+            <a:off x="256704" y="4336619"/>
+            <a:ext cx="3245048" cy="1417538"/>
           </a:xfrm>
         </p:spPr>
         <p:txBody>
@@ -1713,7 +1985,7 @@
           <a:lstStyle>
             <a:lvl1pPr marL="0" indent="0">
               <a:buNone/>
-              <a:defRPr sz="1087">
+              <a:defRPr sz="988">
                 <a:solidFill>
                   <a:schemeClr val="tx1">
                     <a:tint val="82000"/>
@@ -1721,9 +1993,9 @@
                 </a:solidFill>
               </a:defRPr>
             </a:lvl1pPr>
-            <a:lvl2pPr marL="207020" indent="0">
-              <a:buNone/>
-              <a:defRPr sz="906">
+            <a:lvl2pPr marL="188138" indent="0">
+              <a:buNone/>
+              <a:defRPr sz="823">
                 <a:solidFill>
                   <a:schemeClr val="tx1">
                     <a:tint val="82000"/>
@@ -1731,9 +2003,9 @@
                 </a:solidFill>
               </a:defRPr>
             </a:lvl2pPr>
-            <a:lvl3pPr marL="414040" indent="0">
-              <a:buNone/>
-              <a:defRPr sz="815">
+            <a:lvl3pPr marL="376276" indent="0">
+              <a:buNone/>
+              <a:defRPr sz="741">
                 <a:solidFill>
                   <a:schemeClr val="tx1">
                     <a:tint val="82000"/>
@@ -1741,9 +2013,9 @@
                 </a:solidFill>
               </a:defRPr>
             </a:lvl3pPr>
-            <a:lvl4pPr marL="621060" indent="0">
-              <a:buNone/>
-              <a:defRPr sz="724">
+            <a:lvl4pPr marL="564413" indent="0">
+              <a:buNone/>
+              <a:defRPr sz="658">
                 <a:solidFill>
                   <a:schemeClr val="tx1">
                     <a:tint val="82000"/>
@@ -1751,9 +2023,9 @@
                 </a:solidFill>
               </a:defRPr>
             </a:lvl4pPr>
-            <a:lvl5pPr marL="828081" indent="0">
-              <a:buNone/>
-              <a:defRPr sz="724">
+            <a:lvl5pPr marL="752551" indent="0">
+              <a:buNone/>
+              <a:defRPr sz="658">
                 <a:solidFill>
                   <a:schemeClr val="tx1">
                     <a:tint val="82000"/>
@@ -1761,9 +2033,9 @@
                 </a:solidFill>
               </a:defRPr>
             </a:lvl5pPr>
-            <a:lvl6pPr marL="1035101" indent="0">
-              <a:buNone/>
-              <a:defRPr sz="724">
+            <a:lvl6pPr marL="940689" indent="0">
+              <a:buNone/>
+              <a:defRPr sz="658">
                 <a:solidFill>
                   <a:schemeClr val="tx1">
                     <a:tint val="82000"/>
@@ -1771,9 +2043,9 @@
                 </a:solidFill>
               </a:defRPr>
             </a:lvl6pPr>
-            <a:lvl7pPr marL="1242121" indent="0">
-              <a:buNone/>
-              <a:defRPr sz="724">
+            <a:lvl7pPr marL="1128827" indent="0">
+              <a:buNone/>
+              <a:defRPr sz="658">
                 <a:solidFill>
                   <a:schemeClr val="tx1">
                     <a:tint val="82000"/>
@@ -1781,9 +2053,9 @@
                 </a:solidFill>
               </a:defRPr>
             </a:lvl7pPr>
-            <a:lvl8pPr marL="1449141" indent="0">
-              <a:buNone/>
-              <a:defRPr sz="724">
+            <a:lvl8pPr marL="1316965" indent="0">
+              <a:buNone/>
+              <a:defRPr sz="658">
                 <a:solidFill>
                   <a:schemeClr val="tx1">
                     <a:tint val="82000"/>
@@ -1791,9 +2063,9 @@
                 </a:solidFill>
               </a:defRPr>
             </a:lvl8pPr>
-            <a:lvl9pPr marL="1656161" indent="0">
-              <a:buNone/>
-              <a:defRPr sz="724">
+            <a:lvl9pPr marL="1505102" indent="0">
+              <a:buNone/>
+              <a:defRPr sz="658">
                 <a:solidFill>
                   <a:schemeClr val="tx1">
                     <a:tint val="82000"/>
@@ -1879,7 +2151,7 @@
     </p:spTree>
     <p:extLst>
       <p:ext uri="{BB962C8B-B14F-4D97-AF65-F5344CB8AC3E}">
-        <p14:creationId xmlns:p14="http://schemas.microsoft.com/office/powerpoint/2010/main" val="1702375598"/>
+        <p14:creationId xmlns:p14="http://schemas.microsoft.com/office/powerpoint/2010/main" val="2680091088"/>
       </p:ext>
     </p:extLst>
   </p:cSld>
@@ -1941,8 +2213,8 @@
         </p:nvSpPr>
         <p:spPr>
           <a:xfrm>
-            <a:off x="284639" y="1725046"/>
-            <a:ext cx="1759585" cy="4111612"/>
+            <a:off x="258663" y="1725046"/>
+            <a:ext cx="1599009" cy="4111612"/>
           </a:xfrm>
         </p:spPr>
         <p:txBody>
@@ -1998,8 +2270,8 @@
         </p:nvSpPr>
         <p:spPr>
           <a:xfrm>
-            <a:off x="2095976" y="1725046"/>
-            <a:ext cx="1759585" cy="4111612"/>
+            <a:off x="1904703" y="1725046"/>
+            <a:ext cx="1599009" cy="4111612"/>
           </a:xfrm>
         </p:spPr>
         <p:txBody>
@@ -2111,7 +2383,7 @@
     </p:spTree>
     <p:extLst>
       <p:ext uri="{BB962C8B-B14F-4D97-AF65-F5344CB8AC3E}">
-        <p14:creationId xmlns:p14="http://schemas.microsoft.com/office/powerpoint/2010/main" val="2382344335"/>
+        <p14:creationId xmlns:p14="http://schemas.microsoft.com/office/powerpoint/2010/main" val="2948374042"/>
       </p:ext>
     </p:extLst>
   </p:cSld>
@@ -2150,8 +2422,8 @@
         </p:nvSpPr>
         <p:spPr>
           <a:xfrm>
-            <a:off x="285178" y="345011"/>
-            <a:ext cx="3570923" cy="1252534"/>
+            <a:off x="259154" y="345011"/>
+            <a:ext cx="3245048" cy="1252534"/>
           </a:xfrm>
         </p:spPr>
         <p:txBody>
@@ -2178,8 +2450,8 @@
         </p:nvSpPr>
         <p:spPr>
           <a:xfrm>
-            <a:off x="285179" y="1588543"/>
-            <a:ext cx="1751498" cy="778521"/>
+            <a:off x="259154" y="1588543"/>
+            <a:ext cx="1591661" cy="778521"/>
           </a:xfrm>
         </p:spPr>
         <p:txBody>
@@ -2187,39 +2459,39 @@
           <a:lstStyle>
             <a:lvl1pPr marL="0" indent="0">
               <a:buNone/>
-              <a:defRPr sz="1087" b="1"/>
+              <a:defRPr sz="988" b="1"/>
             </a:lvl1pPr>
-            <a:lvl2pPr marL="207020" indent="0">
-              <a:buNone/>
-              <a:defRPr sz="906" b="1"/>
+            <a:lvl2pPr marL="188138" indent="0">
+              <a:buNone/>
+              <a:defRPr sz="823" b="1"/>
             </a:lvl2pPr>
-            <a:lvl3pPr marL="414040" indent="0">
-              <a:buNone/>
-              <a:defRPr sz="815" b="1"/>
+            <a:lvl3pPr marL="376276" indent="0">
+              <a:buNone/>
+              <a:defRPr sz="741" b="1"/>
             </a:lvl3pPr>
-            <a:lvl4pPr marL="621060" indent="0">
-              <a:buNone/>
-              <a:defRPr sz="724" b="1"/>
+            <a:lvl4pPr marL="564413" indent="0">
+              <a:buNone/>
+              <a:defRPr sz="658" b="1"/>
             </a:lvl4pPr>
-            <a:lvl5pPr marL="828081" indent="0">
-              <a:buNone/>
-              <a:defRPr sz="724" b="1"/>
+            <a:lvl5pPr marL="752551" indent="0">
+              <a:buNone/>
+              <a:defRPr sz="658" b="1"/>
             </a:lvl5pPr>
-            <a:lvl6pPr marL="1035101" indent="0">
-              <a:buNone/>
-              <a:defRPr sz="724" b="1"/>
+            <a:lvl6pPr marL="940689" indent="0">
+              <a:buNone/>
+              <a:defRPr sz="658" b="1"/>
             </a:lvl6pPr>
-            <a:lvl7pPr marL="1242121" indent="0">
-              <a:buNone/>
-              <a:defRPr sz="724" b="1"/>
+            <a:lvl7pPr marL="1128827" indent="0">
+              <a:buNone/>
+              <a:defRPr sz="658" b="1"/>
             </a:lvl7pPr>
-            <a:lvl8pPr marL="1449141" indent="0">
-              <a:buNone/>
-              <a:defRPr sz="724" b="1"/>
+            <a:lvl8pPr marL="1316965" indent="0">
+              <a:buNone/>
+              <a:defRPr sz="658" b="1"/>
             </a:lvl8pPr>
-            <a:lvl9pPr marL="1656161" indent="0">
-              <a:buNone/>
-              <a:defRPr sz="724" b="1"/>
+            <a:lvl9pPr marL="1505102" indent="0">
+              <a:buNone/>
+              <a:defRPr sz="658" b="1"/>
             </a:lvl9pPr>
           </a:lstStyle>
           <a:p>
@@ -2243,8 +2515,8 @@
         </p:nvSpPr>
         <p:spPr>
           <a:xfrm>
-            <a:off x="285179" y="2367064"/>
-            <a:ext cx="1751498" cy="3481594"/>
+            <a:off x="259154" y="2367064"/>
+            <a:ext cx="1591661" cy="3481594"/>
           </a:xfrm>
         </p:spPr>
         <p:txBody>
@@ -2300,8 +2572,8 @@
         </p:nvSpPr>
         <p:spPr>
           <a:xfrm>
-            <a:off x="2095977" y="1588543"/>
-            <a:ext cx="1760124" cy="778521"/>
+            <a:off x="1904703" y="1588543"/>
+            <a:ext cx="1599499" cy="778521"/>
           </a:xfrm>
         </p:spPr>
         <p:txBody>
@@ -2309,39 +2581,39 @@
           <a:lstStyle>
             <a:lvl1pPr marL="0" indent="0">
               <a:buNone/>
-              <a:defRPr sz="1087" b="1"/>
+              <a:defRPr sz="988" b="1"/>
             </a:lvl1pPr>
-            <a:lvl2pPr marL="207020" indent="0">
-              <a:buNone/>
-              <a:defRPr sz="906" b="1"/>
+            <a:lvl2pPr marL="188138" indent="0">
+              <a:buNone/>
+              <a:defRPr sz="823" b="1"/>
             </a:lvl2pPr>
-            <a:lvl3pPr marL="414040" indent="0">
-              <a:buNone/>
-              <a:defRPr sz="815" b="1"/>
+            <a:lvl3pPr marL="376276" indent="0">
+              <a:buNone/>
+              <a:defRPr sz="741" b="1"/>
             </a:lvl3pPr>
-            <a:lvl4pPr marL="621060" indent="0">
-              <a:buNone/>
-              <a:defRPr sz="724" b="1"/>
+            <a:lvl4pPr marL="564413" indent="0">
+              <a:buNone/>
+              <a:defRPr sz="658" b="1"/>
             </a:lvl4pPr>
-            <a:lvl5pPr marL="828081" indent="0">
-              <a:buNone/>
-              <a:defRPr sz="724" b="1"/>
+            <a:lvl5pPr marL="752551" indent="0">
+              <a:buNone/>
+              <a:defRPr sz="658" b="1"/>
             </a:lvl5pPr>
-            <a:lvl6pPr marL="1035101" indent="0">
-              <a:buNone/>
-              <a:defRPr sz="724" b="1"/>
+            <a:lvl6pPr marL="940689" indent="0">
+              <a:buNone/>
+              <a:defRPr sz="658" b="1"/>
             </a:lvl6pPr>
-            <a:lvl7pPr marL="1242121" indent="0">
-              <a:buNone/>
-              <a:defRPr sz="724" b="1"/>
+            <a:lvl7pPr marL="1128827" indent="0">
+              <a:buNone/>
+              <a:defRPr sz="658" b="1"/>
             </a:lvl7pPr>
-            <a:lvl8pPr marL="1449141" indent="0">
-              <a:buNone/>
-              <a:defRPr sz="724" b="1"/>
+            <a:lvl8pPr marL="1316965" indent="0">
+              <a:buNone/>
+              <a:defRPr sz="658" b="1"/>
             </a:lvl8pPr>
-            <a:lvl9pPr marL="1656161" indent="0">
-              <a:buNone/>
-              <a:defRPr sz="724" b="1"/>
+            <a:lvl9pPr marL="1505102" indent="0">
+              <a:buNone/>
+              <a:defRPr sz="658" b="1"/>
             </a:lvl9pPr>
           </a:lstStyle>
           <a:p>
@@ -2365,8 +2637,8 @@
         </p:nvSpPr>
         <p:spPr>
           <a:xfrm>
-            <a:off x="2095977" y="2367064"/>
-            <a:ext cx="1760124" cy="3481594"/>
+            <a:off x="1904703" y="2367064"/>
+            <a:ext cx="1599499" cy="3481594"/>
           </a:xfrm>
         </p:spPr>
         <p:txBody>
@@ -2478,7 +2750,7 @@
     </p:spTree>
     <p:extLst>
       <p:ext uri="{BB962C8B-B14F-4D97-AF65-F5344CB8AC3E}">
-        <p14:creationId xmlns:p14="http://schemas.microsoft.com/office/powerpoint/2010/main" val="2416336980"/>
+        <p14:creationId xmlns:p14="http://schemas.microsoft.com/office/powerpoint/2010/main" val="1849525414"/>
       </p:ext>
     </p:extLst>
   </p:cSld>
@@ -2596,7 +2868,7 @@
     </p:spTree>
     <p:extLst>
       <p:ext uri="{BB962C8B-B14F-4D97-AF65-F5344CB8AC3E}">
-        <p14:creationId xmlns:p14="http://schemas.microsoft.com/office/powerpoint/2010/main" val="960380807"/>
+        <p14:creationId xmlns:p14="http://schemas.microsoft.com/office/powerpoint/2010/main" val="500498112"/>
       </p:ext>
     </p:extLst>
   </p:cSld>
@@ -2691,7 +2963,7 @@
     </p:spTree>
     <p:extLst>
       <p:ext uri="{BB962C8B-B14F-4D97-AF65-F5344CB8AC3E}">
-        <p14:creationId xmlns:p14="http://schemas.microsoft.com/office/powerpoint/2010/main" val="2670600643"/>
+        <p14:creationId xmlns:p14="http://schemas.microsoft.com/office/powerpoint/2010/main" val="2873117835"/>
       </p:ext>
     </p:extLst>
   </p:cSld>
@@ -2730,15 +3002,15 @@
         </p:nvSpPr>
         <p:spPr>
           <a:xfrm>
-            <a:off x="285178" y="432012"/>
-            <a:ext cx="1335322" cy="1512041"/>
+            <a:off x="259153" y="432012"/>
+            <a:ext cx="1213464" cy="1512041"/>
           </a:xfrm>
         </p:spPr>
         <p:txBody>
           <a:bodyPr anchor="b"/>
           <a:lstStyle>
             <a:lvl1pPr>
-              <a:defRPr sz="1449"/>
+              <a:defRPr sz="1317"/>
             </a:lvl1pPr>
           </a:lstStyle>
           <a:p>
@@ -2762,39 +3034,39 @@
         </p:nvSpPr>
         <p:spPr>
           <a:xfrm>
-            <a:off x="1760124" y="933027"/>
-            <a:ext cx="2095976" cy="4605124"/>
+            <a:off x="1599500" y="933027"/>
+            <a:ext cx="1904702" cy="4605124"/>
           </a:xfrm>
         </p:spPr>
         <p:txBody>
           <a:bodyPr/>
           <a:lstStyle>
             <a:lvl1pPr>
-              <a:defRPr sz="1449"/>
+              <a:defRPr sz="1317"/>
             </a:lvl1pPr>
             <a:lvl2pPr>
-              <a:defRPr sz="1268"/>
+              <a:defRPr sz="1152"/>
             </a:lvl2pPr>
             <a:lvl3pPr>
-              <a:defRPr sz="1087"/>
+              <a:defRPr sz="988"/>
             </a:lvl3pPr>
             <a:lvl4pPr>
-              <a:defRPr sz="906"/>
+              <a:defRPr sz="823"/>
             </a:lvl4pPr>
             <a:lvl5pPr>
-              <a:defRPr sz="906"/>
+              <a:defRPr sz="823"/>
             </a:lvl5pPr>
             <a:lvl6pPr>
-              <a:defRPr sz="906"/>
+              <a:defRPr sz="823"/>
             </a:lvl6pPr>
             <a:lvl7pPr>
-              <a:defRPr sz="906"/>
+              <a:defRPr sz="823"/>
             </a:lvl7pPr>
             <a:lvl8pPr>
-              <a:defRPr sz="906"/>
+              <a:defRPr sz="823"/>
             </a:lvl8pPr>
             <a:lvl9pPr>
-              <a:defRPr sz="906"/>
+              <a:defRPr sz="823"/>
             </a:lvl9pPr>
           </a:lstStyle>
           <a:p>
@@ -2847,8 +3119,8 @@
         </p:nvSpPr>
         <p:spPr>
           <a:xfrm>
-            <a:off x="285178" y="1944052"/>
-            <a:ext cx="1335322" cy="3601598"/>
+            <a:off x="259153" y="1944052"/>
+            <a:ext cx="1213464" cy="3601598"/>
           </a:xfrm>
         </p:spPr>
         <p:txBody>
@@ -2856,39 +3128,39 @@
           <a:lstStyle>
             <a:lvl1pPr marL="0" indent="0">
               <a:buNone/>
-              <a:defRPr sz="724"/>
+              <a:defRPr sz="658"/>
             </a:lvl1pPr>
-            <a:lvl2pPr marL="207020" indent="0">
-              <a:buNone/>
-              <a:defRPr sz="634"/>
+            <a:lvl2pPr marL="188138" indent="0">
+              <a:buNone/>
+              <a:defRPr sz="576"/>
             </a:lvl2pPr>
-            <a:lvl3pPr marL="414040" indent="0">
-              <a:buNone/>
-              <a:defRPr sz="543"/>
+            <a:lvl3pPr marL="376276" indent="0">
+              <a:buNone/>
+              <a:defRPr sz="494"/>
             </a:lvl3pPr>
-            <a:lvl4pPr marL="621060" indent="0">
-              <a:buNone/>
-              <a:defRPr sz="453"/>
+            <a:lvl4pPr marL="564413" indent="0">
+              <a:buNone/>
+              <a:defRPr sz="412"/>
             </a:lvl4pPr>
-            <a:lvl5pPr marL="828081" indent="0">
-              <a:buNone/>
-              <a:defRPr sz="453"/>
+            <a:lvl5pPr marL="752551" indent="0">
+              <a:buNone/>
+              <a:defRPr sz="412"/>
             </a:lvl5pPr>
-            <a:lvl6pPr marL="1035101" indent="0">
-              <a:buNone/>
-              <a:defRPr sz="453"/>
+            <a:lvl6pPr marL="940689" indent="0">
+              <a:buNone/>
+              <a:defRPr sz="412"/>
             </a:lvl6pPr>
-            <a:lvl7pPr marL="1242121" indent="0">
-              <a:buNone/>
-              <a:defRPr sz="453"/>
+            <a:lvl7pPr marL="1128827" indent="0">
+              <a:buNone/>
+              <a:defRPr sz="412"/>
             </a:lvl7pPr>
-            <a:lvl8pPr marL="1449141" indent="0">
-              <a:buNone/>
-              <a:defRPr sz="453"/>
+            <a:lvl8pPr marL="1316965" indent="0">
+              <a:buNone/>
+              <a:defRPr sz="412"/>
             </a:lvl8pPr>
-            <a:lvl9pPr marL="1656161" indent="0">
-              <a:buNone/>
-              <a:defRPr sz="453"/>
+            <a:lvl9pPr marL="1505102" indent="0">
+              <a:buNone/>
+              <a:defRPr sz="412"/>
             </a:lvl9pPr>
           </a:lstStyle>
           <a:p>
@@ -2968,7 +3240,7 @@
     </p:spTree>
     <p:extLst>
       <p:ext uri="{BB962C8B-B14F-4D97-AF65-F5344CB8AC3E}">
-        <p14:creationId xmlns:p14="http://schemas.microsoft.com/office/powerpoint/2010/main" val="1029730686"/>
+        <p14:creationId xmlns:p14="http://schemas.microsoft.com/office/powerpoint/2010/main" val="994494275"/>
       </p:ext>
     </p:extLst>
   </p:cSld>
@@ -3007,15 +3279,15 @@
         </p:nvSpPr>
         <p:spPr>
           <a:xfrm>
-            <a:off x="285178" y="432012"/>
-            <a:ext cx="1335322" cy="1512041"/>
+            <a:off x="259153" y="432012"/>
+            <a:ext cx="1213464" cy="1512041"/>
           </a:xfrm>
         </p:spPr>
         <p:txBody>
           <a:bodyPr anchor="b"/>
           <a:lstStyle>
             <a:lvl1pPr>
-              <a:defRPr sz="1449"/>
+              <a:defRPr sz="1317"/>
             </a:lvl1pPr>
           </a:lstStyle>
           <a:p>
@@ -3039,8 +3311,8 @@
         </p:nvSpPr>
         <p:spPr>
           <a:xfrm>
-            <a:off x="1760124" y="933027"/>
-            <a:ext cx="2095976" cy="4605124"/>
+            <a:off x="1599500" y="933027"/>
+            <a:ext cx="1904702" cy="4605124"/>
           </a:xfrm>
         </p:spPr>
         <p:txBody>
@@ -3048,39 +3320,39 @@
           <a:lstStyle>
             <a:lvl1pPr marL="0" indent="0">
               <a:buNone/>
-              <a:defRPr sz="1449"/>
+              <a:defRPr sz="1317"/>
             </a:lvl1pPr>
-            <a:lvl2pPr marL="207020" indent="0">
-              <a:buNone/>
-              <a:defRPr sz="1268"/>
+            <a:lvl2pPr marL="188138" indent="0">
+              <a:buNone/>
+              <a:defRPr sz="1152"/>
             </a:lvl2pPr>
-            <a:lvl3pPr marL="414040" indent="0">
-              <a:buNone/>
-              <a:defRPr sz="1087"/>
+            <a:lvl3pPr marL="376276" indent="0">
+              <a:buNone/>
+              <a:defRPr sz="988"/>
             </a:lvl3pPr>
-            <a:lvl4pPr marL="621060" indent="0">
-              <a:buNone/>
-              <a:defRPr sz="906"/>
+            <a:lvl4pPr marL="564413" indent="0">
+              <a:buNone/>
+              <a:defRPr sz="823"/>
             </a:lvl4pPr>
-            <a:lvl5pPr marL="828081" indent="0">
-              <a:buNone/>
-              <a:defRPr sz="906"/>
+            <a:lvl5pPr marL="752551" indent="0">
+              <a:buNone/>
+              <a:defRPr sz="823"/>
             </a:lvl5pPr>
-            <a:lvl6pPr marL="1035101" indent="0">
-              <a:buNone/>
-              <a:defRPr sz="906"/>
+            <a:lvl6pPr marL="940689" indent="0">
+              <a:buNone/>
+              <a:defRPr sz="823"/>
             </a:lvl6pPr>
-            <a:lvl7pPr marL="1242121" indent="0">
-              <a:buNone/>
-              <a:defRPr sz="906"/>
+            <a:lvl7pPr marL="1128827" indent="0">
+              <a:buNone/>
+              <a:defRPr sz="823"/>
             </a:lvl7pPr>
-            <a:lvl8pPr marL="1449141" indent="0">
-              <a:buNone/>
-              <a:defRPr sz="906"/>
+            <a:lvl8pPr marL="1316965" indent="0">
+              <a:buNone/>
+              <a:defRPr sz="823"/>
             </a:lvl8pPr>
-            <a:lvl9pPr marL="1656161" indent="0">
-              <a:buNone/>
-              <a:defRPr sz="906"/>
+            <a:lvl9pPr marL="1505102" indent="0">
+              <a:buNone/>
+              <a:defRPr sz="823"/>
             </a:lvl9pPr>
           </a:lstStyle>
           <a:p>
@@ -3104,8 +3376,8 @@
         </p:nvSpPr>
         <p:spPr>
           <a:xfrm>
-            <a:off x="285178" y="1944052"/>
-            <a:ext cx="1335322" cy="3601598"/>
+            <a:off x="259153" y="1944052"/>
+            <a:ext cx="1213464" cy="3601598"/>
           </a:xfrm>
         </p:spPr>
         <p:txBody>
@@ -3113,39 +3385,39 @@
           <a:lstStyle>
             <a:lvl1pPr marL="0" indent="0">
               <a:buNone/>
-              <a:defRPr sz="724"/>
+              <a:defRPr sz="658"/>
             </a:lvl1pPr>
-            <a:lvl2pPr marL="207020" indent="0">
-              <a:buNone/>
-              <a:defRPr sz="634"/>
+            <a:lvl2pPr marL="188138" indent="0">
+              <a:buNone/>
+              <a:defRPr sz="576"/>
             </a:lvl2pPr>
-            <a:lvl3pPr marL="414040" indent="0">
-              <a:buNone/>
-              <a:defRPr sz="543"/>
+            <a:lvl3pPr marL="376276" indent="0">
+              <a:buNone/>
+              <a:defRPr sz="494"/>
             </a:lvl3pPr>
-            <a:lvl4pPr marL="621060" indent="0">
-              <a:buNone/>
-              <a:defRPr sz="453"/>
+            <a:lvl4pPr marL="564413" indent="0">
+              <a:buNone/>
+              <a:defRPr sz="412"/>
             </a:lvl4pPr>
-            <a:lvl5pPr marL="828081" indent="0">
-              <a:buNone/>
-              <a:defRPr sz="453"/>
+            <a:lvl5pPr marL="752551" indent="0">
+              <a:buNone/>
+              <a:defRPr sz="412"/>
             </a:lvl5pPr>
-            <a:lvl6pPr marL="1035101" indent="0">
-              <a:buNone/>
-              <a:defRPr sz="453"/>
+            <a:lvl6pPr marL="940689" indent="0">
+              <a:buNone/>
+              <a:defRPr sz="412"/>
             </a:lvl6pPr>
-            <a:lvl7pPr marL="1242121" indent="0">
-              <a:buNone/>
-              <a:defRPr sz="453"/>
+            <a:lvl7pPr marL="1128827" indent="0">
+              <a:buNone/>
+              <a:defRPr sz="412"/>
             </a:lvl7pPr>
-            <a:lvl8pPr marL="1449141" indent="0">
-              <a:buNone/>
-              <a:defRPr sz="453"/>
+            <a:lvl8pPr marL="1316965" indent="0">
+              <a:buNone/>
+              <a:defRPr sz="412"/>
             </a:lvl8pPr>
-            <a:lvl9pPr marL="1656161" indent="0">
-              <a:buNone/>
-              <a:defRPr sz="453"/>
+            <a:lvl9pPr marL="1505102" indent="0">
+              <a:buNone/>
+              <a:defRPr sz="412"/>
             </a:lvl9pPr>
           </a:lstStyle>
           <a:p>
@@ -3225,7 +3497,7 @@
     </p:spTree>
     <p:extLst>
       <p:ext uri="{BB962C8B-B14F-4D97-AF65-F5344CB8AC3E}">
-        <p14:creationId xmlns:p14="http://schemas.microsoft.com/office/powerpoint/2010/main" val="386539767"/>
+        <p14:creationId xmlns:p14="http://schemas.microsoft.com/office/powerpoint/2010/main" val="2160872325"/>
       </p:ext>
     </p:extLst>
   </p:cSld>
@@ -3269,8 +3541,8 @@
         </p:nvSpPr>
         <p:spPr>
           <a:xfrm>
-            <a:off x="284639" y="345011"/>
-            <a:ext cx="3570923" cy="1252534"/>
+            <a:off x="258664" y="345011"/>
+            <a:ext cx="3245048" cy="1252534"/>
           </a:xfrm>
           <a:prstGeom prst="rect">
             <a:avLst/>
@@ -3302,8 +3574,8 @@
         </p:nvSpPr>
         <p:spPr>
           <a:xfrm>
-            <a:off x="284639" y="1725046"/>
-            <a:ext cx="3570923" cy="4111612"/>
+            <a:off x="258664" y="1725046"/>
+            <a:ext cx="3245048" cy="4111612"/>
           </a:xfrm>
           <a:prstGeom prst="rect">
             <a:avLst/>
@@ -3364,8 +3636,8 @@
         </p:nvSpPr>
         <p:spPr>
           <a:xfrm>
-            <a:off x="284639" y="6006164"/>
-            <a:ext cx="931545" cy="345009"/>
+            <a:off x="258663" y="6006164"/>
+            <a:ext cx="846534" cy="345009"/>
           </a:xfrm>
           <a:prstGeom prst="rect">
             <a:avLst/>
@@ -3375,7 +3647,7 @@
           <a:bodyPr vert="horz" lIns="91440" tIns="45720" rIns="91440" bIns="45720" rtlCol="0" anchor="ctr"/>
           <a:lstStyle>
             <a:lvl1pPr algn="l">
-              <a:defRPr sz="543">
+              <a:defRPr sz="494">
                 <a:solidFill>
                   <a:schemeClr val="tx1">
                     <a:tint val="82000"/>
@@ -3405,8 +3677,8 @@
         </p:nvSpPr>
         <p:spPr>
           <a:xfrm>
-            <a:off x="1371441" y="6006164"/>
-            <a:ext cx="1397318" cy="345009"/>
+            <a:off x="1246287" y="6006164"/>
+            <a:ext cx="1269802" cy="345009"/>
           </a:xfrm>
           <a:prstGeom prst="rect">
             <a:avLst/>
@@ -3416,7 +3688,7 @@
           <a:bodyPr vert="horz" lIns="91440" tIns="45720" rIns="91440" bIns="45720" rtlCol="0" anchor="ctr"/>
           <a:lstStyle>
             <a:lvl1pPr algn="ctr">
-              <a:defRPr sz="543">
+              <a:defRPr sz="494">
                 <a:solidFill>
                   <a:schemeClr val="tx1">
                     <a:tint val="82000"/>
@@ -3442,8 +3714,8 @@
         </p:nvSpPr>
         <p:spPr>
           <a:xfrm>
-            <a:off x="2924016" y="6006164"/>
-            <a:ext cx="931545" cy="345009"/>
+            <a:off x="2657178" y="6006164"/>
+            <a:ext cx="846534" cy="345009"/>
           </a:xfrm>
           <a:prstGeom prst="rect">
             <a:avLst/>
@@ -3453,7 +3725,7 @@
           <a:bodyPr vert="horz" lIns="91440" tIns="45720" rIns="91440" bIns="45720" rtlCol="0" anchor="ctr"/>
           <a:lstStyle>
             <a:lvl1pPr algn="r">
-              <a:defRPr sz="543">
+              <a:defRPr sz="494">
                 <a:solidFill>
                   <a:schemeClr val="tx1">
                     <a:tint val="82000"/>
@@ -3474,27 +3746,27 @@
     </p:spTree>
     <p:extLst>
       <p:ext uri="{BB962C8B-B14F-4D97-AF65-F5344CB8AC3E}">
-        <p14:creationId xmlns:p14="http://schemas.microsoft.com/office/powerpoint/2010/main" val="2958915075"/>
+        <p14:creationId xmlns:p14="http://schemas.microsoft.com/office/powerpoint/2010/main" val="3458760576"/>
       </p:ext>
     </p:extLst>
   </p:cSld>
   <p:clrMap bg1="lt1" tx1="dk1" bg2="lt2" tx2="dk2" accent1="accent1" accent2="accent2" accent3="accent3" accent4="accent4" accent5="accent5" accent6="accent6" hlink="hlink" folHlink="folHlink"/>
   <p:sldLayoutIdLst>
-    <p:sldLayoutId id="2147483661" r:id="rId1"/>
-    <p:sldLayoutId id="2147483662" r:id="rId2"/>
-    <p:sldLayoutId id="2147483663" r:id="rId3"/>
-    <p:sldLayoutId id="2147483664" r:id="rId4"/>
-    <p:sldLayoutId id="2147483665" r:id="rId5"/>
-    <p:sldLayoutId id="2147483666" r:id="rId6"/>
-    <p:sldLayoutId id="2147483667" r:id="rId7"/>
-    <p:sldLayoutId id="2147483668" r:id="rId8"/>
-    <p:sldLayoutId id="2147483669" r:id="rId9"/>
-    <p:sldLayoutId id="2147483670" r:id="rId10"/>
-    <p:sldLayoutId id="2147483671" r:id="rId11"/>
+    <p:sldLayoutId id="2147483685" r:id="rId1"/>
+    <p:sldLayoutId id="2147483686" r:id="rId2"/>
+    <p:sldLayoutId id="2147483687" r:id="rId3"/>
+    <p:sldLayoutId id="2147483688" r:id="rId4"/>
+    <p:sldLayoutId id="2147483689" r:id="rId5"/>
+    <p:sldLayoutId id="2147483690" r:id="rId6"/>
+    <p:sldLayoutId id="2147483691" r:id="rId7"/>
+    <p:sldLayoutId id="2147483692" r:id="rId8"/>
+    <p:sldLayoutId id="2147483693" r:id="rId9"/>
+    <p:sldLayoutId id="2147483694" r:id="rId10"/>
+    <p:sldLayoutId id="2147483695" r:id="rId11"/>
   </p:sldLayoutIdLst>
   <p:txStyles>
     <p:titleStyle>
-      <a:lvl1pPr algn="l" defTabSz="414040" rtl="0" eaLnBrk="1" latinLnBrk="0" hangingPunct="1">
+      <a:lvl1pPr algn="l" defTabSz="376276" rtl="0" eaLnBrk="1" latinLnBrk="0" hangingPunct="1">
         <a:lnSpc>
           <a:spcPct val="90000"/>
         </a:lnSpc>
@@ -3502,7 +3774,7 @@
           <a:spcPct val="0"/>
         </a:spcBef>
         <a:buNone/>
-        <a:defRPr sz="1992" kern="1200">
+        <a:defRPr sz="1811" kern="1200">
           <a:solidFill>
             <a:schemeClr val="tx1"/>
           </a:solidFill>
@@ -3513,16 +3785,16 @@
       </a:lvl1pPr>
     </p:titleStyle>
     <p:bodyStyle>
-      <a:lvl1pPr marL="103510" indent="-103510" algn="l" defTabSz="414040" rtl="0" eaLnBrk="1" latinLnBrk="0" hangingPunct="1">
+      <a:lvl1pPr marL="94069" indent="-94069" algn="l" defTabSz="376276" rtl="0" eaLnBrk="1" latinLnBrk="0" hangingPunct="1">
         <a:lnSpc>
           <a:spcPct val="90000"/>
         </a:lnSpc>
         <a:spcBef>
-          <a:spcPts val="453"/>
+          <a:spcPts val="412"/>
         </a:spcBef>
         <a:buFont typeface="Arial" panose="020B0604020202020204" pitchFamily="34" charset="0"/>
         <a:buChar char="•"/>
-        <a:defRPr sz="1268" kern="1200">
+        <a:defRPr sz="1152" kern="1200">
           <a:solidFill>
             <a:schemeClr val="tx1"/>
           </a:solidFill>
@@ -3531,16 +3803,16 @@
           <a:cs typeface="+mn-cs"/>
         </a:defRPr>
       </a:lvl1pPr>
-      <a:lvl2pPr marL="310530" indent="-103510" algn="l" defTabSz="414040" rtl="0" eaLnBrk="1" latinLnBrk="0" hangingPunct="1">
+      <a:lvl2pPr marL="282207" indent="-94069" algn="l" defTabSz="376276" rtl="0" eaLnBrk="1" latinLnBrk="0" hangingPunct="1">
         <a:lnSpc>
           <a:spcPct val="90000"/>
         </a:lnSpc>
         <a:spcBef>
-          <a:spcPts val="226"/>
+          <a:spcPts val="206"/>
         </a:spcBef>
         <a:buFont typeface="Arial" panose="020B0604020202020204" pitchFamily="34" charset="0"/>
         <a:buChar char="•"/>
-        <a:defRPr sz="1087" kern="1200">
+        <a:defRPr sz="988" kern="1200">
           <a:solidFill>
             <a:schemeClr val="tx1"/>
           </a:solidFill>
@@ -3549,16 +3821,16 @@
           <a:cs typeface="+mn-cs"/>
         </a:defRPr>
       </a:lvl2pPr>
-      <a:lvl3pPr marL="517550" indent="-103510" algn="l" defTabSz="414040" rtl="0" eaLnBrk="1" latinLnBrk="0" hangingPunct="1">
+      <a:lvl3pPr marL="470345" indent="-94069" algn="l" defTabSz="376276" rtl="0" eaLnBrk="1" latinLnBrk="0" hangingPunct="1">
         <a:lnSpc>
           <a:spcPct val="90000"/>
         </a:lnSpc>
         <a:spcBef>
-          <a:spcPts val="226"/>
+          <a:spcPts val="206"/>
         </a:spcBef>
         <a:buFont typeface="Arial" panose="020B0604020202020204" pitchFamily="34" charset="0"/>
         <a:buChar char="•"/>
-        <a:defRPr sz="906" kern="1200">
+        <a:defRPr sz="823" kern="1200">
           <a:solidFill>
             <a:schemeClr val="tx1"/>
           </a:solidFill>
@@ -3567,16 +3839,16 @@
           <a:cs typeface="+mn-cs"/>
         </a:defRPr>
       </a:lvl3pPr>
-      <a:lvl4pPr marL="724571" indent="-103510" algn="l" defTabSz="414040" rtl="0" eaLnBrk="1" latinLnBrk="0" hangingPunct="1">
+      <a:lvl4pPr marL="658482" indent="-94069" algn="l" defTabSz="376276" rtl="0" eaLnBrk="1" latinLnBrk="0" hangingPunct="1">
         <a:lnSpc>
           <a:spcPct val="90000"/>
         </a:lnSpc>
         <a:spcBef>
-          <a:spcPts val="226"/>
+          <a:spcPts val="206"/>
         </a:spcBef>
         <a:buFont typeface="Arial" panose="020B0604020202020204" pitchFamily="34" charset="0"/>
         <a:buChar char="•"/>
-        <a:defRPr sz="815" kern="1200">
+        <a:defRPr sz="741" kern="1200">
           <a:solidFill>
             <a:schemeClr val="tx1"/>
           </a:solidFill>
@@ -3585,16 +3857,16 @@
           <a:cs typeface="+mn-cs"/>
         </a:defRPr>
       </a:lvl4pPr>
-      <a:lvl5pPr marL="931591" indent="-103510" algn="l" defTabSz="414040" rtl="0" eaLnBrk="1" latinLnBrk="0" hangingPunct="1">
+      <a:lvl5pPr marL="846620" indent="-94069" algn="l" defTabSz="376276" rtl="0" eaLnBrk="1" latinLnBrk="0" hangingPunct="1">
         <a:lnSpc>
           <a:spcPct val="90000"/>
         </a:lnSpc>
         <a:spcBef>
-          <a:spcPts val="226"/>
+          <a:spcPts val="206"/>
         </a:spcBef>
         <a:buFont typeface="Arial" panose="020B0604020202020204" pitchFamily="34" charset="0"/>
         <a:buChar char="•"/>
-        <a:defRPr sz="815" kern="1200">
+        <a:defRPr sz="741" kern="1200">
           <a:solidFill>
             <a:schemeClr val="tx1"/>
           </a:solidFill>
@@ -3603,16 +3875,16 @@
           <a:cs typeface="+mn-cs"/>
         </a:defRPr>
       </a:lvl5pPr>
-      <a:lvl6pPr marL="1138611" indent="-103510" algn="l" defTabSz="414040" rtl="0" eaLnBrk="1" latinLnBrk="0" hangingPunct="1">
+      <a:lvl6pPr marL="1034758" indent="-94069" algn="l" defTabSz="376276" rtl="0" eaLnBrk="1" latinLnBrk="0" hangingPunct="1">
         <a:lnSpc>
           <a:spcPct val="90000"/>
         </a:lnSpc>
         <a:spcBef>
-          <a:spcPts val="226"/>
+          <a:spcPts val="206"/>
         </a:spcBef>
         <a:buFont typeface="Arial" panose="020B0604020202020204" pitchFamily="34" charset="0"/>
         <a:buChar char="•"/>
-        <a:defRPr sz="815" kern="1200">
+        <a:defRPr sz="741" kern="1200">
           <a:solidFill>
             <a:schemeClr val="tx1"/>
           </a:solidFill>
@@ -3621,16 +3893,16 @@
           <a:cs typeface="+mn-cs"/>
         </a:defRPr>
       </a:lvl6pPr>
-      <a:lvl7pPr marL="1345631" indent="-103510" algn="l" defTabSz="414040" rtl="0" eaLnBrk="1" latinLnBrk="0" hangingPunct="1">
+      <a:lvl7pPr marL="1222896" indent="-94069" algn="l" defTabSz="376276" rtl="0" eaLnBrk="1" latinLnBrk="0" hangingPunct="1">
         <a:lnSpc>
           <a:spcPct val="90000"/>
         </a:lnSpc>
         <a:spcBef>
-          <a:spcPts val="226"/>
+          <a:spcPts val="206"/>
         </a:spcBef>
         <a:buFont typeface="Arial" panose="020B0604020202020204" pitchFamily="34" charset="0"/>
         <a:buChar char="•"/>
-        <a:defRPr sz="815" kern="1200">
+        <a:defRPr sz="741" kern="1200">
           <a:solidFill>
             <a:schemeClr val="tx1"/>
           </a:solidFill>
@@ -3639,16 +3911,16 @@
           <a:cs typeface="+mn-cs"/>
         </a:defRPr>
       </a:lvl7pPr>
-      <a:lvl8pPr marL="1552651" indent="-103510" algn="l" defTabSz="414040" rtl="0" eaLnBrk="1" latinLnBrk="0" hangingPunct="1">
+      <a:lvl8pPr marL="1411034" indent="-94069" algn="l" defTabSz="376276" rtl="0" eaLnBrk="1" latinLnBrk="0" hangingPunct="1">
         <a:lnSpc>
           <a:spcPct val="90000"/>
         </a:lnSpc>
         <a:spcBef>
-          <a:spcPts val="226"/>
+          <a:spcPts val="206"/>
         </a:spcBef>
         <a:buFont typeface="Arial" panose="020B0604020202020204" pitchFamily="34" charset="0"/>
         <a:buChar char="•"/>
-        <a:defRPr sz="815" kern="1200">
+        <a:defRPr sz="741" kern="1200">
           <a:solidFill>
             <a:schemeClr val="tx1"/>
           </a:solidFill>
@@ -3657,16 +3929,16 @@
           <a:cs typeface="+mn-cs"/>
         </a:defRPr>
       </a:lvl8pPr>
-      <a:lvl9pPr marL="1759671" indent="-103510" algn="l" defTabSz="414040" rtl="0" eaLnBrk="1" latinLnBrk="0" hangingPunct="1">
+      <a:lvl9pPr marL="1599171" indent="-94069" algn="l" defTabSz="376276" rtl="0" eaLnBrk="1" latinLnBrk="0" hangingPunct="1">
         <a:lnSpc>
           <a:spcPct val="90000"/>
         </a:lnSpc>
         <a:spcBef>
-          <a:spcPts val="226"/>
+          <a:spcPts val="206"/>
         </a:spcBef>
         <a:buFont typeface="Arial" panose="020B0604020202020204" pitchFamily="34" charset="0"/>
         <a:buChar char="•"/>
-        <a:defRPr sz="815" kern="1200">
+        <a:defRPr sz="741" kern="1200">
           <a:solidFill>
             <a:schemeClr val="tx1"/>
           </a:solidFill>
@@ -3680,8 +3952,8 @@
       <a:defPPr>
         <a:defRPr lang="en-US"/>
       </a:defPPr>
-      <a:lvl1pPr marL="0" algn="l" defTabSz="414040" rtl="0" eaLnBrk="1" latinLnBrk="0" hangingPunct="1">
-        <a:defRPr sz="815" kern="1200">
+      <a:lvl1pPr marL="0" algn="l" defTabSz="376276" rtl="0" eaLnBrk="1" latinLnBrk="0" hangingPunct="1">
+        <a:defRPr sz="741" kern="1200">
           <a:solidFill>
             <a:schemeClr val="tx1"/>
           </a:solidFill>
@@ -3690,8 +3962,8 @@
           <a:cs typeface="+mn-cs"/>
         </a:defRPr>
       </a:lvl1pPr>
-      <a:lvl2pPr marL="207020" algn="l" defTabSz="414040" rtl="0" eaLnBrk="1" latinLnBrk="0" hangingPunct="1">
-        <a:defRPr sz="815" kern="1200">
+      <a:lvl2pPr marL="188138" algn="l" defTabSz="376276" rtl="0" eaLnBrk="1" latinLnBrk="0" hangingPunct="1">
+        <a:defRPr sz="741" kern="1200">
           <a:solidFill>
             <a:schemeClr val="tx1"/>
           </a:solidFill>
@@ -3700,8 +3972,8 @@
           <a:cs typeface="+mn-cs"/>
         </a:defRPr>
       </a:lvl2pPr>
-      <a:lvl3pPr marL="414040" algn="l" defTabSz="414040" rtl="0" eaLnBrk="1" latinLnBrk="0" hangingPunct="1">
-        <a:defRPr sz="815" kern="1200">
+      <a:lvl3pPr marL="376276" algn="l" defTabSz="376276" rtl="0" eaLnBrk="1" latinLnBrk="0" hangingPunct="1">
+        <a:defRPr sz="741" kern="1200">
           <a:solidFill>
             <a:schemeClr val="tx1"/>
           </a:solidFill>
@@ -3710,8 +3982,8 @@
           <a:cs typeface="+mn-cs"/>
         </a:defRPr>
       </a:lvl3pPr>
-      <a:lvl4pPr marL="621060" algn="l" defTabSz="414040" rtl="0" eaLnBrk="1" latinLnBrk="0" hangingPunct="1">
-        <a:defRPr sz="815" kern="1200">
+      <a:lvl4pPr marL="564413" algn="l" defTabSz="376276" rtl="0" eaLnBrk="1" latinLnBrk="0" hangingPunct="1">
+        <a:defRPr sz="741" kern="1200">
           <a:solidFill>
             <a:schemeClr val="tx1"/>
           </a:solidFill>
@@ -3720,8 +3992,8 @@
           <a:cs typeface="+mn-cs"/>
         </a:defRPr>
       </a:lvl4pPr>
-      <a:lvl5pPr marL="828081" algn="l" defTabSz="414040" rtl="0" eaLnBrk="1" latinLnBrk="0" hangingPunct="1">
-        <a:defRPr sz="815" kern="1200">
+      <a:lvl5pPr marL="752551" algn="l" defTabSz="376276" rtl="0" eaLnBrk="1" latinLnBrk="0" hangingPunct="1">
+        <a:defRPr sz="741" kern="1200">
           <a:solidFill>
             <a:schemeClr val="tx1"/>
           </a:solidFill>
@@ -3730,8 +4002,8 @@
           <a:cs typeface="+mn-cs"/>
         </a:defRPr>
       </a:lvl5pPr>
-      <a:lvl6pPr marL="1035101" algn="l" defTabSz="414040" rtl="0" eaLnBrk="1" latinLnBrk="0" hangingPunct="1">
-        <a:defRPr sz="815" kern="1200">
+      <a:lvl6pPr marL="940689" algn="l" defTabSz="376276" rtl="0" eaLnBrk="1" latinLnBrk="0" hangingPunct="1">
+        <a:defRPr sz="741" kern="1200">
           <a:solidFill>
             <a:schemeClr val="tx1"/>
           </a:solidFill>
@@ -3740,8 +4012,8 @@
           <a:cs typeface="+mn-cs"/>
         </a:defRPr>
       </a:lvl6pPr>
-      <a:lvl7pPr marL="1242121" algn="l" defTabSz="414040" rtl="0" eaLnBrk="1" latinLnBrk="0" hangingPunct="1">
-        <a:defRPr sz="815" kern="1200">
+      <a:lvl7pPr marL="1128827" algn="l" defTabSz="376276" rtl="0" eaLnBrk="1" latinLnBrk="0" hangingPunct="1">
+        <a:defRPr sz="741" kern="1200">
           <a:solidFill>
             <a:schemeClr val="tx1"/>
           </a:solidFill>
@@ -3750,8 +4022,8 @@
           <a:cs typeface="+mn-cs"/>
         </a:defRPr>
       </a:lvl7pPr>
-      <a:lvl8pPr marL="1449141" algn="l" defTabSz="414040" rtl="0" eaLnBrk="1" latinLnBrk="0" hangingPunct="1">
-        <a:defRPr sz="815" kern="1200">
+      <a:lvl8pPr marL="1316965" algn="l" defTabSz="376276" rtl="0" eaLnBrk="1" latinLnBrk="0" hangingPunct="1">
+        <a:defRPr sz="741" kern="1200">
           <a:solidFill>
             <a:schemeClr val="tx1"/>
           </a:solidFill>
@@ -3760,8 +4032,8 @@
           <a:cs typeface="+mn-cs"/>
         </a:defRPr>
       </a:lvl8pPr>
-      <a:lvl9pPr marL="1656161" algn="l" defTabSz="414040" rtl="0" eaLnBrk="1" latinLnBrk="0" hangingPunct="1">
-        <a:defRPr sz="815" kern="1200">
+      <a:lvl9pPr marL="1505102" algn="l" defTabSz="376276" rtl="0" eaLnBrk="1" latinLnBrk="0" hangingPunct="1">
+        <a:defRPr sz="741" kern="1200">
           <a:solidFill>
             <a:schemeClr val="tx1"/>
           </a:solidFill>
@@ -3794,7 +4066,7 @@
       </p:grpSpPr>
       <p:pic>
         <p:nvPicPr>
-          <p:cNvPr id="16" name="Picture 15" descr="A graph of a graph showing the number of data&#10;&#10;AI-generated content may be incorrect.">
+          <p:cNvPr id="36" name="Picture 35" descr="A graph of a graph showing the number of data&#10;&#10;AI-generated content may be incorrect.">
             <a:extLst>
               <a:ext uri="{FF2B5EF4-FFF2-40B4-BE49-F238E27FC236}">
                 <a16:creationId xmlns:a16="http://schemas.microsoft.com/office/drawing/2014/main" id="{3240103B-C137-A56C-84C9-B6B564E79A20}"/>
@@ -3819,7 +4091,7 @@
         </p:blipFill>
         <p:spPr>
           <a:xfrm>
-            <a:off x="129262" y="755243"/>
+            <a:off x="13930" y="755243"/>
             <a:ext cx="1980000" cy="1713164"/>
           </a:xfrm>
           <a:prstGeom prst="rect">
@@ -3829,7 +4101,7 @@
       </p:pic>
       <p:pic>
         <p:nvPicPr>
-          <p:cNvPr id="20" name="Picture 19" descr="A graph of a graph&#10;&#10;AI-generated content may be incorrect.">
+          <p:cNvPr id="37" name="Picture 36" descr="A graph of a graph&#10;&#10;AI-generated content may be incorrect.">
             <a:extLst>
               <a:ext uri="{FF2B5EF4-FFF2-40B4-BE49-F238E27FC236}">
                 <a16:creationId xmlns:a16="http://schemas.microsoft.com/office/drawing/2014/main" id="{9AE58AB0-A746-CB79-DB68-4742D849225C}"/>
@@ -3854,7 +4126,7 @@
         </p:blipFill>
         <p:spPr>
           <a:xfrm>
-            <a:off x="2262530" y="755243"/>
+            <a:off x="1990676" y="755243"/>
             <a:ext cx="1753200" cy="1713242"/>
           </a:xfrm>
           <a:prstGeom prst="rect">
@@ -3864,7 +4136,7 @@
       </p:pic>
       <p:pic>
         <p:nvPicPr>
-          <p:cNvPr id="27" name="Picture 26" descr="A graph of a graph showing the difference between a number of people&#10;&#10;AI-generated content may be incorrect.">
+          <p:cNvPr id="38" name="Picture 37" descr="A graph of a graph showing the difference between a number of people&#10;&#10;AI-generated content may be incorrect.">
             <a:extLst>
               <a:ext uri="{FF2B5EF4-FFF2-40B4-BE49-F238E27FC236}">
                 <a16:creationId xmlns:a16="http://schemas.microsoft.com/office/drawing/2014/main" id="{6B8AF29E-2315-3062-9B85-D14957DB473E}"/>
@@ -3889,7 +4161,7 @@
         </p:blipFill>
         <p:spPr>
           <a:xfrm>
-            <a:off x="129262" y="2664712"/>
+            <a:off x="13930" y="2664712"/>
             <a:ext cx="1980000" cy="1713164"/>
           </a:xfrm>
           <a:prstGeom prst="rect">
@@ -3899,7 +4171,7 @@
       </p:pic>
       <p:pic>
         <p:nvPicPr>
-          <p:cNvPr id="29" name="Picture 28" descr="A graph of a graph&#10;&#10;AI-generated content may be incorrect.">
+          <p:cNvPr id="39" name="Picture 38" descr="A graph of a graph&#10;&#10;AI-generated content may be incorrect.">
             <a:extLst>
               <a:ext uri="{FF2B5EF4-FFF2-40B4-BE49-F238E27FC236}">
                 <a16:creationId xmlns:a16="http://schemas.microsoft.com/office/drawing/2014/main" id="{65189D81-F03A-641F-947A-FEB007DBA5BF}"/>
@@ -3924,7 +4196,7 @@
         </p:blipFill>
         <p:spPr>
           <a:xfrm>
-            <a:off x="2262530" y="2664712"/>
+            <a:off x="1990676" y="2664712"/>
             <a:ext cx="1753200" cy="1713242"/>
           </a:xfrm>
           <a:prstGeom prst="rect">
@@ -3934,7 +4206,7 @@
       </p:pic>
       <p:pic>
         <p:nvPicPr>
-          <p:cNvPr id="31" name="Picture 30" descr="A graph of a graph&#10;&#10;AI-generated content may be incorrect.">
+          <p:cNvPr id="40" name="Picture 39" descr="A graph of a graph&#10;&#10;AI-generated content may be incorrect.">
             <a:extLst>
               <a:ext uri="{FF2B5EF4-FFF2-40B4-BE49-F238E27FC236}">
                 <a16:creationId xmlns:a16="http://schemas.microsoft.com/office/drawing/2014/main" id="{10BAFD11-1099-3C3B-C9FC-C353CD903E7A}"/>
@@ -3959,7 +4231,7 @@
         </p:blipFill>
         <p:spPr>
           <a:xfrm>
-            <a:off x="137500" y="4582418"/>
+            <a:off x="13930" y="4582418"/>
             <a:ext cx="1980000" cy="1875572"/>
           </a:xfrm>
           <a:prstGeom prst="rect">
@@ -3969,7 +4241,7 @@
       </p:pic>
       <p:pic>
         <p:nvPicPr>
-          <p:cNvPr id="33" name="Picture 32" descr="A graph of a graph showing the number of data&#10;&#10;AI-generated content may be incorrect.">
+          <p:cNvPr id="41" name="Picture 40" descr="A graph of a graph showing the number of data&#10;&#10;AI-generated content may be incorrect.">
             <a:extLst>
               <a:ext uri="{FF2B5EF4-FFF2-40B4-BE49-F238E27FC236}">
                 <a16:creationId xmlns:a16="http://schemas.microsoft.com/office/drawing/2014/main" id="{FB8578E7-859D-CDA0-F749-138863AF1E37}"/>
@@ -3994,7 +4266,7 @@
         </p:blipFill>
         <p:spPr>
           <a:xfrm>
-            <a:off x="2270768" y="4582418"/>
+            <a:off x="1998914" y="4582418"/>
             <a:ext cx="1753147" cy="1875600"/>
           </a:xfrm>
           <a:prstGeom prst="rect">
@@ -4004,7 +4276,7 @@
       </p:pic>
       <p:sp>
         <p:nvSpPr>
-          <p:cNvPr id="17" name="TextBox 16">
+          <p:cNvPr id="42" name="TextBox 41">
             <a:extLst>
               <a:ext uri="{FF2B5EF4-FFF2-40B4-BE49-F238E27FC236}">
                 <a16:creationId xmlns:a16="http://schemas.microsoft.com/office/drawing/2014/main" id="{7D251682-B46D-DC7E-8C5E-59DFF1C27261}"/>
@@ -4016,7 +4288,7 @@
         </p:nvSpPr>
         <p:spPr>
           <a:xfrm>
-            <a:off x="-66676" y="-57150"/>
+            <a:off x="-83152" y="-65388"/>
             <a:ext cx="4206875" cy="430887"/>
           </a:xfrm>
           <a:prstGeom prst="rect">
@@ -4074,7 +4346,7 @@
       </p:sp>
       <p:sp>
         <p:nvSpPr>
-          <p:cNvPr id="3" name="TextBox 2">
+          <p:cNvPr id="43" name="TextBox 42">
             <a:extLst>
               <a:ext uri="{FF2B5EF4-FFF2-40B4-BE49-F238E27FC236}">
                 <a16:creationId xmlns:a16="http://schemas.microsoft.com/office/drawing/2014/main" id="{D32E77C5-B6C0-2E90-479B-0C848DD41382}"/>
@@ -4086,7 +4358,7 @@
         </p:nvSpPr>
         <p:spPr>
           <a:xfrm>
-            <a:off x="1062767" y="387825"/>
+            <a:off x="823868" y="387825"/>
             <a:ext cx="1196419" cy="215444"/>
           </a:xfrm>
           <a:prstGeom prst="rect">
@@ -4131,7 +4403,7 @@
       </p:sp>
       <p:sp>
         <p:nvSpPr>
-          <p:cNvPr id="4" name="Rectangle 3">
+          <p:cNvPr id="44" name="Rectangle 43">
             <a:extLst>
               <a:ext uri="{FF2B5EF4-FFF2-40B4-BE49-F238E27FC236}">
                 <a16:creationId xmlns:a16="http://schemas.microsoft.com/office/drawing/2014/main" id="{4B7F958A-6F0C-F0C0-BE54-70B5CC44C3D2}"/>
@@ -4143,7 +4415,7 @@
         </p:nvSpPr>
         <p:spPr>
           <a:xfrm>
-            <a:off x="2090746" y="450547"/>
+            <a:off x="1851847" y="450547"/>
             <a:ext cx="360000" cy="90000"/>
           </a:xfrm>
           <a:prstGeom prst="rect">
@@ -4189,7 +4461,7 @@
       </p:sp>
       <p:cxnSp>
         <p:nvCxnSpPr>
-          <p:cNvPr id="5" name="Straight Connector 4">
+          <p:cNvPr id="45" name="Straight Connector 44">
             <a:extLst>
               <a:ext uri="{FF2B5EF4-FFF2-40B4-BE49-F238E27FC236}">
                 <a16:creationId xmlns:a16="http://schemas.microsoft.com/office/drawing/2014/main" id="{80B63810-D1D9-8EEB-E25A-478D292B229D}"/>
@@ -4203,7 +4475,7 @@
         </p:nvCxnSpPr>
         <p:spPr>
           <a:xfrm>
-            <a:off x="766963" y="495547"/>
+            <a:off x="528064" y="495547"/>
             <a:ext cx="360000" cy="0"/>
           </a:xfrm>
           <a:prstGeom prst="line">
@@ -4232,7 +4504,7 @@
       </p:cxnSp>
       <p:sp>
         <p:nvSpPr>
-          <p:cNvPr id="6" name="TextBox 5">
+          <p:cNvPr id="46" name="TextBox 45">
             <a:extLst>
               <a:ext uri="{FF2B5EF4-FFF2-40B4-BE49-F238E27FC236}">
                 <a16:creationId xmlns:a16="http://schemas.microsoft.com/office/drawing/2014/main" id="{B71CAA66-DF64-85B8-23B3-7DBDDB44438A}"/>
@@ -4244,7 +4516,7 @@
         </p:nvSpPr>
         <p:spPr>
           <a:xfrm>
-            <a:off x="2389418" y="387825"/>
+            <a:off x="2150519" y="387825"/>
             <a:ext cx="1196419" cy="215444"/>
           </a:xfrm>
           <a:prstGeom prst="rect">
@@ -4289,7 +4561,7 @@
       </p:sp>
       <p:sp>
         <p:nvSpPr>
-          <p:cNvPr id="2" name="TextBox 1">
+          <p:cNvPr id="47" name="TextBox 46">
             <a:extLst>
               <a:ext uri="{FF2B5EF4-FFF2-40B4-BE49-F238E27FC236}">
                 <a16:creationId xmlns:a16="http://schemas.microsoft.com/office/drawing/2014/main" id="{A4DB30E2-0C13-6AEB-59CD-284D83DB8123}"/>
@@ -4301,7 +4573,7 @@
         </p:nvSpPr>
         <p:spPr>
           <a:xfrm>
-            <a:off x="2135147" y="559809"/>
+            <a:off x="1888007" y="559809"/>
             <a:ext cx="1908000" cy="216000"/>
           </a:xfrm>
           <a:prstGeom prst="rect">
@@ -4346,7 +4618,7 @@
       </p:sp>
       <p:sp>
         <p:nvSpPr>
-          <p:cNvPr id="7" name="TextBox 6">
+          <p:cNvPr id="48" name="TextBox 47">
             <a:extLst>
               <a:ext uri="{FF2B5EF4-FFF2-40B4-BE49-F238E27FC236}">
                 <a16:creationId xmlns:a16="http://schemas.microsoft.com/office/drawing/2014/main" id="{42DFAD48-F16E-0B7B-1B2C-4961BF796F2E}"/>
@@ -4358,7 +4630,7 @@
         </p:nvSpPr>
         <p:spPr>
           <a:xfrm>
-            <a:off x="22923" y="559809"/>
+            <a:off x="-67695" y="559809"/>
             <a:ext cx="1908000" cy="215444"/>
           </a:xfrm>
           <a:prstGeom prst="rect">
@@ -4403,7 +4675,7 @@
       </p:sp>
       <p:sp>
         <p:nvSpPr>
-          <p:cNvPr id="8" name="TextBox 7">
+          <p:cNvPr id="49" name="TextBox 48">
             <a:extLst>
               <a:ext uri="{FF2B5EF4-FFF2-40B4-BE49-F238E27FC236}">
                 <a16:creationId xmlns:a16="http://schemas.microsoft.com/office/drawing/2014/main" id="{1CB5778A-BC41-27A9-C316-14307500D4A0}"/>
@@ -4415,7 +4687,7 @@
         </p:nvSpPr>
         <p:spPr>
           <a:xfrm>
-            <a:off x="97065" y="2457641"/>
+            <a:off x="-67695" y="2457641"/>
             <a:ext cx="1908000" cy="215444"/>
           </a:xfrm>
           <a:prstGeom prst="rect">
@@ -4460,7 +4732,7 @@
       </p:sp>
       <p:sp>
         <p:nvSpPr>
-          <p:cNvPr id="9" name="TextBox 8">
+          <p:cNvPr id="50" name="TextBox 49">
             <a:extLst>
               <a:ext uri="{FF2B5EF4-FFF2-40B4-BE49-F238E27FC236}">
                 <a16:creationId xmlns:a16="http://schemas.microsoft.com/office/drawing/2014/main" id="{AD646CE8-3370-880E-200D-80617E77A9BE}"/>
@@ -4472,7 +4744,7 @@
         </p:nvSpPr>
         <p:spPr>
           <a:xfrm>
-            <a:off x="97065" y="4381575"/>
+            <a:off x="-67695" y="4381575"/>
             <a:ext cx="1908000" cy="215444"/>
           </a:xfrm>
           <a:prstGeom prst="rect">
@@ -4517,7 +4789,7 @@
       </p:sp>
       <p:sp>
         <p:nvSpPr>
-          <p:cNvPr id="10" name="TextBox 9">
+          <p:cNvPr id="51" name="TextBox 50">
             <a:extLst>
               <a:ext uri="{FF2B5EF4-FFF2-40B4-BE49-F238E27FC236}">
                 <a16:creationId xmlns:a16="http://schemas.microsoft.com/office/drawing/2014/main" id="{8DB64281-D2AB-318B-65A1-5D1D385CB8D7}"/>
@@ -4529,7 +4801,7 @@
         </p:nvSpPr>
         <p:spPr>
           <a:xfrm>
-            <a:off x="2135147" y="2457085"/>
+            <a:off x="1888007" y="2457085"/>
             <a:ext cx="1908000" cy="216000"/>
           </a:xfrm>
           <a:prstGeom prst="rect">
@@ -4574,7 +4846,7 @@
       </p:sp>
       <p:sp>
         <p:nvSpPr>
-          <p:cNvPr id="11" name="TextBox 10">
+          <p:cNvPr id="52" name="TextBox 51">
             <a:extLst>
               <a:ext uri="{FF2B5EF4-FFF2-40B4-BE49-F238E27FC236}">
                 <a16:creationId xmlns:a16="http://schemas.microsoft.com/office/drawing/2014/main" id="{E8F936EE-D86D-608C-06B5-BAF9C398C95A}"/>
@@ -4586,7 +4858,7 @@
         </p:nvSpPr>
         <p:spPr>
           <a:xfrm>
-            <a:off x="2135147" y="4376653"/>
+            <a:off x="1888007" y="4376653"/>
             <a:ext cx="1908000" cy="216000"/>
           </a:xfrm>
           <a:prstGeom prst="rect">
